--- a/doc/sotsuron_figure.pptx
+++ b/doc/sotsuron_figure.pptx
@@ -17,6 +17,7 @@
     <p:sldId id="266" r:id="rId11"/>
     <p:sldId id="267" r:id="rId12"/>
     <p:sldId id="268" r:id="rId13"/>
+    <p:sldId id="269" r:id="rId14"/>
   </p:sldIdLst>
   <p:sldSz cx="9144000" cy="5143500" type="screen16x9"/>
   <p:notesSz cx="6858000" cy="9144000"/>
@@ -2542,18 +2543,18 @@
     </dgm:pt>
   </dgm:ptLst>
   <dgm:cxnLst>
-    <dgm:cxn modelId="{533B9FBA-28B9-4A4F-A914-9F32B9E6EFBC}" srcId="{5FEE9AD0-8EC5-114B-9F83-37D51F1D33C7}" destId="{82DC6802-807C-B841-95E7-9103A1CC9562}" srcOrd="0" destOrd="0" parTransId="{61F8AB96-B8B5-9B44-BEE0-78A20EE8E63C}" sibTransId="{A63A0F5E-5B36-294F-8F0D-5CBFD983F4FC}"/>
-    <dgm:cxn modelId="{0A47F138-FD29-134E-85A5-26692D74D175}" type="presOf" srcId="{7945668B-B058-DB49-9304-F587B98278AA}" destId="{92883D7B-74DC-D246-8768-33969ED71DC8}" srcOrd="1" destOrd="0" presId="urn:microsoft.com/office/officeart/2005/8/layout/orgChart1"/>
+    <dgm:cxn modelId="{98FFBC0E-07F3-1E47-9BDC-9BB9701175BD}" type="presOf" srcId="{7945668B-B058-DB49-9304-F587B98278AA}" destId="{F8699393-3A25-694C-8DE5-7A54414A8A88}" srcOrd="0" destOrd="0" presId="urn:microsoft.com/office/officeart/2005/8/layout/orgChart1"/>
+    <dgm:cxn modelId="{672B6EBB-F51A-D746-A572-4871C2227F71}" type="presOf" srcId="{82DC6802-807C-B841-95E7-9103A1CC9562}" destId="{1148A3A0-61BC-2A44-9554-761AB31FBEEF}" srcOrd="1" destOrd="0" presId="urn:microsoft.com/office/officeart/2005/8/layout/orgChart1"/>
+    <dgm:cxn modelId="{291EC639-45F4-304E-8FDC-B3B0E31E6E59}" type="presOf" srcId="{592C4DFE-DD40-6D41-92A0-AC05C31727FA}" destId="{502A42DD-3DFA-A842-B9A7-53D59E805AB2}" srcOrd="0" destOrd="0" presId="urn:microsoft.com/office/officeart/2005/8/layout/orgChart1"/>
     <dgm:cxn modelId="{D7A9CD32-ED21-C542-9984-D055682A8ACC}" type="presOf" srcId="{10C8922F-1362-B04E-936E-0D0695D016FF}" destId="{AEE54575-B308-3C42-8665-CE6811E6319C}" srcOrd="0" destOrd="0" presId="urn:microsoft.com/office/officeart/2005/8/layout/orgChart1"/>
-    <dgm:cxn modelId="{98FFBC0E-07F3-1E47-9BDC-9BB9701175BD}" type="presOf" srcId="{7945668B-B058-DB49-9304-F587B98278AA}" destId="{F8699393-3A25-694C-8DE5-7A54414A8A88}" srcOrd="0" destOrd="0" presId="urn:microsoft.com/office/officeart/2005/8/layout/orgChart1"/>
-    <dgm:cxn modelId="{291EC639-45F4-304E-8FDC-B3B0E31E6E59}" type="presOf" srcId="{592C4DFE-DD40-6D41-92A0-AC05C31727FA}" destId="{502A42DD-3DFA-A842-B9A7-53D59E805AB2}" srcOrd="0" destOrd="0" presId="urn:microsoft.com/office/officeart/2005/8/layout/orgChart1"/>
+    <dgm:cxn modelId="{28A6293D-764E-4A48-A49F-9E8155EFC486}" type="presOf" srcId="{5FEE9AD0-8EC5-114B-9F83-37D51F1D33C7}" destId="{1B39C697-D1C9-5F49-8E18-AD0146E451C1}" srcOrd="0" destOrd="0" presId="urn:microsoft.com/office/officeart/2005/8/layout/orgChart1"/>
+    <dgm:cxn modelId="{D81F3EA2-BEDE-834C-9DB3-F414F3456C39}" type="presOf" srcId="{52959CAB-6101-D04C-9580-8F8801872AD0}" destId="{20314882-457D-1541-B813-E5064EDBA8CF}" srcOrd="0" destOrd="0" presId="urn:microsoft.com/office/officeart/2005/8/layout/orgChart1"/>
     <dgm:cxn modelId="{2019647D-F1D2-4448-B6AC-1BC45A69EAB5}" type="presOf" srcId="{592C4DFE-DD40-6D41-92A0-AC05C31727FA}" destId="{B109B4A7-B0F0-BF4D-BCCE-886AFB40A852}" srcOrd="1" destOrd="0" presId="urn:microsoft.com/office/officeart/2005/8/layout/orgChart1"/>
     <dgm:cxn modelId="{FD388C5A-8613-F143-80CB-468AC3D3367B}" type="presOf" srcId="{82DC6802-807C-B841-95E7-9103A1CC9562}" destId="{29C4D0B1-424F-BE4B-9A6E-FA7D4351CE71}" srcOrd="0" destOrd="0" presId="urn:microsoft.com/office/officeart/2005/8/layout/orgChart1"/>
+    <dgm:cxn modelId="{0A47F138-FD29-134E-85A5-26692D74D175}" type="presOf" srcId="{7945668B-B058-DB49-9304-F587B98278AA}" destId="{92883D7B-74DC-D246-8768-33969ED71DC8}" srcOrd="1" destOrd="0" presId="urn:microsoft.com/office/officeart/2005/8/layout/orgChart1"/>
     <dgm:cxn modelId="{97F9144A-2C6C-B847-BC0D-7722C23DBE26}" srcId="{82DC6802-807C-B841-95E7-9103A1CC9562}" destId="{7945668B-B058-DB49-9304-F587B98278AA}" srcOrd="0" destOrd="0" parTransId="{10C8922F-1362-B04E-936E-0D0695D016FF}" sibTransId="{12A883A9-E1FB-BF4A-BCD9-29EC42E0729B}"/>
-    <dgm:cxn modelId="{28A6293D-764E-4A48-A49F-9E8155EFC486}" type="presOf" srcId="{5FEE9AD0-8EC5-114B-9F83-37D51F1D33C7}" destId="{1B39C697-D1C9-5F49-8E18-AD0146E451C1}" srcOrd="0" destOrd="0" presId="urn:microsoft.com/office/officeart/2005/8/layout/orgChart1"/>
+    <dgm:cxn modelId="{533B9FBA-28B9-4A4F-A914-9F32B9E6EFBC}" srcId="{5FEE9AD0-8EC5-114B-9F83-37D51F1D33C7}" destId="{82DC6802-807C-B841-95E7-9103A1CC9562}" srcOrd="0" destOrd="0" parTransId="{61F8AB96-B8B5-9B44-BEE0-78A20EE8E63C}" sibTransId="{A63A0F5E-5B36-294F-8F0D-5CBFD983F4FC}"/>
     <dgm:cxn modelId="{930DA5CE-A78A-7C4C-86B9-E543C7BADF3B}" srcId="{82DC6802-807C-B841-95E7-9103A1CC9562}" destId="{592C4DFE-DD40-6D41-92A0-AC05C31727FA}" srcOrd="1" destOrd="0" parTransId="{52959CAB-6101-D04C-9580-8F8801872AD0}" sibTransId="{ED8FD220-A1D9-6A41-8288-B6376826290F}"/>
-    <dgm:cxn modelId="{672B6EBB-F51A-D746-A572-4871C2227F71}" type="presOf" srcId="{82DC6802-807C-B841-95E7-9103A1CC9562}" destId="{1148A3A0-61BC-2A44-9554-761AB31FBEEF}" srcOrd="1" destOrd="0" presId="urn:microsoft.com/office/officeart/2005/8/layout/orgChart1"/>
-    <dgm:cxn modelId="{D81F3EA2-BEDE-834C-9DB3-F414F3456C39}" type="presOf" srcId="{52959CAB-6101-D04C-9580-8F8801872AD0}" destId="{20314882-457D-1541-B813-E5064EDBA8CF}" srcOrd="0" destOrd="0" presId="urn:microsoft.com/office/officeart/2005/8/layout/orgChart1"/>
     <dgm:cxn modelId="{00F7E94C-02D4-6E44-A1DE-DFCFEB0EBAD2}" type="presParOf" srcId="{1B39C697-D1C9-5F49-8E18-AD0146E451C1}" destId="{D228326A-3066-8943-ACF0-313E5EC86CAE}" srcOrd="0" destOrd="0" presId="urn:microsoft.com/office/officeart/2005/8/layout/orgChart1"/>
     <dgm:cxn modelId="{4B018F6C-F197-B044-81E9-0210E38A8EF2}" type="presParOf" srcId="{D228326A-3066-8943-ACF0-313E5EC86CAE}" destId="{EDF28F79-9AD3-5C4C-9E7D-5D41C3104270}" srcOrd="0" destOrd="0" presId="urn:microsoft.com/office/officeart/2005/8/layout/orgChart1"/>
     <dgm:cxn modelId="{71758DCC-2296-0246-B426-BBD52142A36A}" type="presParOf" srcId="{EDF28F79-9AD3-5C4C-9E7D-5D41C3104270}" destId="{29C4D0B1-424F-BE4B-9A6E-FA7D4351CE71}" srcOrd="0" destOrd="0" presId="urn:microsoft.com/office/officeart/2005/8/layout/orgChart1"/>
@@ -8157,7 +8158,7 @@
           <a:lstStyle/>
           <a:p>
             <a:fld id="{46105698-9291-E648-9AF2-8C2E2D6E320A}" type="datetimeFigureOut">
-              <a:t>2014/01/20</a:t>
+              <a:t>2014/01/24</a:t>
             </a:fld>
             <a:endParaRPr kumimoji="1" lang="ja-JP" altLang="en-US"/>
           </a:p>
@@ -8355,7 +8356,7 @@
           <a:lstStyle/>
           <a:p>
             <a:fld id="{46105698-9291-E648-9AF2-8C2E2D6E320A}" type="datetimeFigureOut">
-              <a:t>2014/01/20</a:t>
+              <a:t>2014/01/24</a:t>
             </a:fld>
             <a:endParaRPr kumimoji="1" lang="ja-JP" altLang="en-US"/>
           </a:p>
@@ -8563,7 +8564,7 @@
           <a:lstStyle/>
           <a:p>
             <a:fld id="{46105698-9291-E648-9AF2-8C2E2D6E320A}" type="datetimeFigureOut">
-              <a:t>2014/01/20</a:t>
+              <a:t>2014/01/24</a:t>
             </a:fld>
             <a:endParaRPr kumimoji="1" lang="ja-JP" altLang="en-US"/>
           </a:p>
@@ -8761,7 +8762,7 @@
           <a:lstStyle/>
           <a:p>
             <a:fld id="{46105698-9291-E648-9AF2-8C2E2D6E320A}" type="datetimeFigureOut">
-              <a:t>2014/01/20</a:t>
+              <a:t>2014/01/24</a:t>
             </a:fld>
             <a:endParaRPr kumimoji="1" lang="ja-JP" altLang="en-US"/>
           </a:p>
@@ -9004,7 +9005,7 @@
           <a:lstStyle/>
           <a:p>
             <a:fld id="{46105698-9291-E648-9AF2-8C2E2D6E320A}" type="datetimeFigureOut">
-              <a:t>2014/01/20</a:t>
+              <a:t>2014/01/24</a:t>
             </a:fld>
             <a:endParaRPr kumimoji="1" lang="ja-JP" altLang="en-US"/>
           </a:p>
@@ -9351,7 +9352,7 @@
           <a:lstStyle/>
           <a:p>
             <a:fld id="{46105698-9291-E648-9AF2-8C2E2D6E320A}" type="datetimeFigureOut">
-              <a:t>2014/01/20</a:t>
+              <a:t>2014/01/24</a:t>
             </a:fld>
             <a:endParaRPr kumimoji="1" lang="ja-JP" altLang="en-US"/>
           </a:p>
@@ -9832,7 +9833,7 @@
           <a:lstStyle/>
           <a:p>
             <a:fld id="{46105698-9291-E648-9AF2-8C2E2D6E320A}" type="datetimeFigureOut">
-              <a:t>2014/01/20</a:t>
+              <a:t>2014/01/24</a:t>
             </a:fld>
             <a:endParaRPr kumimoji="1" lang="ja-JP" altLang="en-US"/>
           </a:p>
@@ -9947,7 +9948,7 @@
           <a:lstStyle/>
           <a:p>
             <a:fld id="{46105698-9291-E648-9AF2-8C2E2D6E320A}" type="datetimeFigureOut">
-              <a:t>2014/01/20</a:t>
+              <a:t>2014/01/24</a:t>
             </a:fld>
             <a:endParaRPr kumimoji="1" lang="ja-JP" altLang="en-US"/>
           </a:p>
@@ -10040,7 +10041,7 @@
           <a:lstStyle/>
           <a:p>
             <a:fld id="{46105698-9291-E648-9AF2-8C2E2D6E320A}" type="datetimeFigureOut">
-              <a:t>2014/01/20</a:t>
+              <a:t>2014/01/24</a:t>
             </a:fld>
             <a:endParaRPr kumimoji="1" lang="ja-JP" altLang="en-US"/>
           </a:p>
@@ -10345,7 +10346,7 @@
           <a:lstStyle/>
           <a:p>
             <a:fld id="{46105698-9291-E648-9AF2-8C2E2D6E320A}" type="datetimeFigureOut">
-              <a:t>2014/01/20</a:t>
+              <a:t>2014/01/24</a:t>
             </a:fld>
             <a:endParaRPr kumimoji="1" lang="ja-JP" altLang="en-US"/>
           </a:p>
@@ -10595,7 +10596,7 @@
           <a:lstStyle/>
           <a:p>
             <a:fld id="{46105698-9291-E648-9AF2-8C2E2D6E320A}" type="datetimeFigureOut">
-              <a:t>2014/01/20</a:t>
+              <a:t>2014/01/24</a:t>
             </a:fld>
             <a:endParaRPr kumimoji="1" lang="ja-JP" altLang="en-US"/>
           </a:p>
@@ -10836,7 +10837,7 @@
           </a:lstStyle>
           <a:p>
             <a:fld id="{46105698-9291-E648-9AF2-8C2E2D6E320A}" type="datetimeFigureOut">
-              <a:t>2014/01/20</a:t>
+              <a:t>2014/01/24</a:t>
             </a:fld>
             <a:endParaRPr kumimoji="1" lang="ja-JP" altLang="en-US"/>
           </a:p>
@@ -11447,6 +11448,36 @@
     <p:extLst>
       <p:ext uri="{BB962C8B-B14F-4D97-AF65-F5344CB8AC3E}">
         <p14:creationId xmlns:p14="http://schemas.microsoft.com/office/powerpoint/2010/main" val="568508867"/>
+      </p:ext>
+    </p:extLst>
+  </p:cSld>
+  <p:clrMapOvr>
+    <a:masterClrMapping/>
+  </p:clrMapOvr>
+</p:sld>
+</file>
+
+<file path=ppt/slides/slide13.xml><?xml version="1.0" encoding="utf-8"?>
+<p:sld xmlns:a="http://schemas.openxmlformats.org/drawingml/2006/main" xmlns:r="http://schemas.openxmlformats.org/officeDocument/2006/relationships" xmlns:p="http://schemas.openxmlformats.org/presentationml/2006/main">
+  <p:cSld>
+    <p:spTree>
+      <p:nvGrpSpPr>
+        <p:cNvPr id="1" name=""/>
+        <p:cNvGrpSpPr/>
+        <p:nvPr/>
+      </p:nvGrpSpPr>
+      <p:grpSpPr>
+        <a:xfrm>
+          <a:off x="0" y="0"/>
+          <a:ext cx="0" cy="0"/>
+          <a:chOff x="0" y="0"/>
+          <a:chExt cx="0" cy="0"/>
+        </a:xfrm>
+      </p:grpSpPr>
+    </p:spTree>
+    <p:extLst>
+      <p:ext uri="{BB962C8B-B14F-4D97-AF65-F5344CB8AC3E}">
+        <p14:creationId xmlns:p14="http://schemas.microsoft.com/office/powerpoint/2010/main" val="2083301371"/>
       </p:ext>
     </p:extLst>
   </p:cSld>

--- a/doc/sotsuron_figure.pptx
+++ b/doc/sotsuron_figure.pptx
@@ -2543,18 +2543,18 @@
     </dgm:pt>
   </dgm:ptLst>
   <dgm:cxnLst>
+    <dgm:cxn modelId="{533B9FBA-28B9-4A4F-A914-9F32B9E6EFBC}" srcId="{5FEE9AD0-8EC5-114B-9F83-37D51F1D33C7}" destId="{82DC6802-807C-B841-95E7-9103A1CC9562}" srcOrd="0" destOrd="0" parTransId="{61F8AB96-B8B5-9B44-BEE0-78A20EE8E63C}" sibTransId="{A63A0F5E-5B36-294F-8F0D-5CBFD983F4FC}"/>
+    <dgm:cxn modelId="{0A47F138-FD29-134E-85A5-26692D74D175}" type="presOf" srcId="{7945668B-B058-DB49-9304-F587B98278AA}" destId="{92883D7B-74DC-D246-8768-33969ED71DC8}" srcOrd="1" destOrd="0" presId="urn:microsoft.com/office/officeart/2005/8/layout/orgChart1"/>
+    <dgm:cxn modelId="{D7A9CD32-ED21-C542-9984-D055682A8ACC}" type="presOf" srcId="{10C8922F-1362-B04E-936E-0D0695D016FF}" destId="{AEE54575-B308-3C42-8665-CE6811E6319C}" srcOrd="0" destOrd="0" presId="urn:microsoft.com/office/officeart/2005/8/layout/orgChart1"/>
     <dgm:cxn modelId="{98FFBC0E-07F3-1E47-9BDC-9BB9701175BD}" type="presOf" srcId="{7945668B-B058-DB49-9304-F587B98278AA}" destId="{F8699393-3A25-694C-8DE5-7A54414A8A88}" srcOrd="0" destOrd="0" presId="urn:microsoft.com/office/officeart/2005/8/layout/orgChart1"/>
-    <dgm:cxn modelId="{672B6EBB-F51A-D746-A572-4871C2227F71}" type="presOf" srcId="{82DC6802-807C-B841-95E7-9103A1CC9562}" destId="{1148A3A0-61BC-2A44-9554-761AB31FBEEF}" srcOrd="1" destOrd="0" presId="urn:microsoft.com/office/officeart/2005/8/layout/orgChart1"/>
     <dgm:cxn modelId="{291EC639-45F4-304E-8FDC-B3B0E31E6E59}" type="presOf" srcId="{592C4DFE-DD40-6D41-92A0-AC05C31727FA}" destId="{502A42DD-3DFA-A842-B9A7-53D59E805AB2}" srcOrd="0" destOrd="0" presId="urn:microsoft.com/office/officeart/2005/8/layout/orgChart1"/>
-    <dgm:cxn modelId="{D7A9CD32-ED21-C542-9984-D055682A8ACC}" type="presOf" srcId="{10C8922F-1362-B04E-936E-0D0695D016FF}" destId="{AEE54575-B308-3C42-8665-CE6811E6319C}" srcOrd="0" destOrd="0" presId="urn:microsoft.com/office/officeart/2005/8/layout/orgChart1"/>
-    <dgm:cxn modelId="{28A6293D-764E-4A48-A49F-9E8155EFC486}" type="presOf" srcId="{5FEE9AD0-8EC5-114B-9F83-37D51F1D33C7}" destId="{1B39C697-D1C9-5F49-8E18-AD0146E451C1}" srcOrd="0" destOrd="0" presId="urn:microsoft.com/office/officeart/2005/8/layout/orgChart1"/>
-    <dgm:cxn modelId="{D81F3EA2-BEDE-834C-9DB3-F414F3456C39}" type="presOf" srcId="{52959CAB-6101-D04C-9580-8F8801872AD0}" destId="{20314882-457D-1541-B813-E5064EDBA8CF}" srcOrd="0" destOrd="0" presId="urn:microsoft.com/office/officeart/2005/8/layout/orgChart1"/>
     <dgm:cxn modelId="{2019647D-F1D2-4448-B6AC-1BC45A69EAB5}" type="presOf" srcId="{592C4DFE-DD40-6D41-92A0-AC05C31727FA}" destId="{B109B4A7-B0F0-BF4D-BCCE-886AFB40A852}" srcOrd="1" destOrd="0" presId="urn:microsoft.com/office/officeart/2005/8/layout/orgChart1"/>
     <dgm:cxn modelId="{FD388C5A-8613-F143-80CB-468AC3D3367B}" type="presOf" srcId="{82DC6802-807C-B841-95E7-9103A1CC9562}" destId="{29C4D0B1-424F-BE4B-9A6E-FA7D4351CE71}" srcOrd="0" destOrd="0" presId="urn:microsoft.com/office/officeart/2005/8/layout/orgChart1"/>
-    <dgm:cxn modelId="{0A47F138-FD29-134E-85A5-26692D74D175}" type="presOf" srcId="{7945668B-B058-DB49-9304-F587B98278AA}" destId="{92883D7B-74DC-D246-8768-33969ED71DC8}" srcOrd="1" destOrd="0" presId="urn:microsoft.com/office/officeart/2005/8/layout/orgChart1"/>
     <dgm:cxn modelId="{97F9144A-2C6C-B847-BC0D-7722C23DBE26}" srcId="{82DC6802-807C-B841-95E7-9103A1CC9562}" destId="{7945668B-B058-DB49-9304-F587B98278AA}" srcOrd="0" destOrd="0" parTransId="{10C8922F-1362-B04E-936E-0D0695D016FF}" sibTransId="{12A883A9-E1FB-BF4A-BCD9-29EC42E0729B}"/>
-    <dgm:cxn modelId="{533B9FBA-28B9-4A4F-A914-9F32B9E6EFBC}" srcId="{5FEE9AD0-8EC5-114B-9F83-37D51F1D33C7}" destId="{82DC6802-807C-B841-95E7-9103A1CC9562}" srcOrd="0" destOrd="0" parTransId="{61F8AB96-B8B5-9B44-BEE0-78A20EE8E63C}" sibTransId="{A63A0F5E-5B36-294F-8F0D-5CBFD983F4FC}"/>
+    <dgm:cxn modelId="{28A6293D-764E-4A48-A49F-9E8155EFC486}" type="presOf" srcId="{5FEE9AD0-8EC5-114B-9F83-37D51F1D33C7}" destId="{1B39C697-D1C9-5F49-8E18-AD0146E451C1}" srcOrd="0" destOrd="0" presId="urn:microsoft.com/office/officeart/2005/8/layout/orgChart1"/>
     <dgm:cxn modelId="{930DA5CE-A78A-7C4C-86B9-E543C7BADF3B}" srcId="{82DC6802-807C-B841-95E7-9103A1CC9562}" destId="{592C4DFE-DD40-6D41-92A0-AC05C31727FA}" srcOrd="1" destOrd="0" parTransId="{52959CAB-6101-D04C-9580-8F8801872AD0}" sibTransId="{ED8FD220-A1D9-6A41-8288-B6376826290F}"/>
+    <dgm:cxn modelId="{672B6EBB-F51A-D746-A572-4871C2227F71}" type="presOf" srcId="{82DC6802-807C-B841-95E7-9103A1CC9562}" destId="{1148A3A0-61BC-2A44-9554-761AB31FBEEF}" srcOrd="1" destOrd="0" presId="urn:microsoft.com/office/officeart/2005/8/layout/orgChart1"/>
+    <dgm:cxn modelId="{D81F3EA2-BEDE-834C-9DB3-F414F3456C39}" type="presOf" srcId="{52959CAB-6101-D04C-9580-8F8801872AD0}" destId="{20314882-457D-1541-B813-E5064EDBA8CF}" srcOrd="0" destOrd="0" presId="urn:microsoft.com/office/officeart/2005/8/layout/orgChart1"/>
     <dgm:cxn modelId="{00F7E94C-02D4-6E44-A1DE-DFCFEB0EBAD2}" type="presParOf" srcId="{1B39C697-D1C9-5F49-8E18-AD0146E451C1}" destId="{D228326A-3066-8943-ACF0-313E5EC86CAE}" srcOrd="0" destOrd="0" presId="urn:microsoft.com/office/officeart/2005/8/layout/orgChart1"/>
     <dgm:cxn modelId="{4B018F6C-F197-B044-81E9-0210E38A8EF2}" type="presParOf" srcId="{D228326A-3066-8943-ACF0-313E5EC86CAE}" destId="{EDF28F79-9AD3-5C4C-9E7D-5D41C3104270}" srcOrd="0" destOrd="0" presId="urn:microsoft.com/office/officeart/2005/8/layout/orgChart1"/>
     <dgm:cxn modelId="{71758DCC-2296-0246-B426-BBD52142A36A}" type="presParOf" srcId="{EDF28F79-9AD3-5C4C-9E7D-5D41C3104270}" destId="{29C4D0B1-424F-BE4B-9A6E-FA7D4351CE71}" srcOrd="0" destOrd="0" presId="urn:microsoft.com/office/officeart/2005/8/layout/orgChart1"/>
@@ -8158,7 +8158,7 @@
           <a:lstStyle/>
           <a:p>
             <a:fld id="{46105698-9291-E648-9AF2-8C2E2D6E320A}" type="datetimeFigureOut">
-              <a:t>2014/01/24</a:t>
+              <a:t>2014/01/27</a:t>
             </a:fld>
             <a:endParaRPr kumimoji="1" lang="ja-JP" altLang="en-US"/>
           </a:p>
@@ -8356,7 +8356,7 @@
           <a:lstStyle/>
           <a:p>
             <a:fld id="{46105698-9291-E648-9AF2-8C2E2D6E320A}" type="datetimeFigureOut">
-              <a:t>2014/01/24</a:t>
+              <a:t>2014/01/27</a:t>
             </a:fld>
             <a:endParaRPr kumimoji="1" lang="ja-JP" altLang="en-US"/>
           </a:p>
@@ -8564,7 +8564,7 @@
           <a:lstStyle/>
           <a:p>
             <a:fld id="{46105698-9291-E648-9AF2-8C2E2D6E320A}" type="datetimeFigureOut">
-              <a:t>2014/01/24</a:t>
+              <a:t>2014/01/27</a:t>
             </a:fld>
             <a:endParaRPr kumimoji="1" lang="ja-JP" altLang="en-US"/>
           </a:p>
@@ -8762,7 +8762,7 @@
           <a:lstStyle/>
           <a:p>
             <a:fld id="{46105698-9291-E648-9AF2-8C2E2D6E320A}" type="datetimeFigureOut">
-              <a:t>2014/01/24</a:t>
+              <a:t>2014/01/27</a:t>
             </a:fld>
             <a:endParaRPr kumimoji="1" lang="ja-JP" altLang="en-US"/>
           </a:p>
@@ -9005,7 +9005,7 @@
           <a:lstStyle/>
           <a:p>
             <a:fld id="{46105698-9291-E648-9AF2-8C2E2D6E320A}" type="datetimeFigureOut">
-              <a:t>2014/01/24</a:t>
+              <a:t>2014/01/27</a:t>
             </a:fld>
             <a:endParaRPr kumimoji="1" lang="ja-JP" altLang="en-US"/>
           </a:p>
@@ -9352,7 +9352,7 @@
           <a:lstStyle/>
           <a:p>
             <a:fld id="{46105698-9291-E648-9AF2-8C2E2D6E320A}" type="datetimeFigureOut">
-              <a:t>2014/01/24</a:t>
+              <a:t>2014/01/27</a:t>
             </a:fld>
             <a:endParaRPr kumimoji="1" lang="ja-JP" altLang="en-US"/>
           </a:p>
@@ -9833,7 +9833,7 @@
           <a:lstStyle/>
           <a:p>
             <a:fld id="{46105698-9291-E648-9AF2-8C2E2D6E320A}" type="datetimeFigureOut">
-              <a:t>2014/01/24</a:t>
+              <a:t>2014/01/27</a:t>
             </a:fld>
             <a:endParaRPr kumimoji="1" lang="ja-JP" altLang="en-US"/>
           </a:p>
@@ -9948,7 +9948,7 @@
           <a:lstStyle/>
           <a:p>
             <a:fld id="{46105698-9291-E648-9AF2-8C2E2D6E320A}" type="datetimeFigureOut">
-              <a:t>2014/01/24</a:t>
+              <a:t>2014/01/27</a:t>
             </a:fld>
             <a:endParaRPr kumimoji="1" lang="ja-JP" altLang="en-US"/>
           </a:p>
@@ -10041,7 +10041,7 @@
           <a:lstStyle/>
           <a:p>
             <a:fld id="{46105698-9291-E648-9AF2-8C2E2D6E320A}" type="datetimeFigureOut">
-              <a:t>2014/01/24</a:t>
+              <a:t>2014/01/27</a:t>
             </a:fld>
             <a:endParaRPr kumimoji="1" lang="ja-JP" altLang="en-US"/>
           </a:p>
@@ -10346,7 +10346,7 @@
           <a:lstStyle/>
           <a:p>
             <a:fld id="{46105698-9291-E648-9AF2-8C2E2D6E320A}" type="datetimeFigureOut">
-              <a:t>2014/01/24</a:t>
+              <a:t>2014/01/27</a:t>
             </a:fld>
             <a:endParaRPr kumimoji="1" lang="ja-JP" altLang="en-US"/>
           </a:p>
@@ -10596,7 +10596,7 @@
           <a:lstStyle/>
           <a:p>
             <a:fld id="{46105698-9291-E648-9AF2-8C2E2D6E320A}" type="datetimeFigureOut">
-              <a:t>2014/01/24</a:t>
+              <a:t>2014/01/27</a:t>
             </a:fld>
             <a:endParaRPr kumimoji="1" lang="ja-JP" altLang="en-US"/>
           </a:p>
@@ -10837,7 +10837,7 @@
           </a:lstStyle>
           <a:p>
             <a:fld id="{46105698-9291-E648-9AF2-8C2E2D6E320A}" type="datetimeFigureOut">
-              <a:t>2014/01/24</a:t>
+              <a:t>2014/01/27</a:t>
             </a:fld>
             <a:endParaRPr kumimoji="1" lang="ja-JP" altLang="en-US"/>
           </a:p>
@@ -11474,6 +11474,238 @@
           <a:chExt cx="0" cy="0"/>
         </a:xfrm>
       </p:grpSpPr>
+      <p:pic>
+        <p:nvPicPr>
+          <p:cNvPr id="2" name="図 1"/>
+          <p:cNvPicPr>
+            <a:picLocks noChangeAspect="1"/>
+          </p:cNvPicPr>
+          <p:nvPr/>
+        </p:nvPicPr>
+        <p:blipFill>
+          <a:blip r:embed="rId2"/>
+          <a:stretch>
+            <a:fillRect/>
+          </a:stretch>
+        </p:blipFill>
+        <p:spPr>
+          <a:xfrm>
+            <a:off x="308591" y="215528"/>
+            <a:ext cx="7518400" cy="3416300"/>
+          </a:xfrm>
+          <a:prstGeom prst="rect">
+            <a:avLst/>
+          </a:prstGeom>
+        </p:spPr>
+      </p:pic>
+      <p:sp>
+        <p:nvSpPr>
+          <p:cNvPr id="3" name="正方形/長方形 2"/>
+          <p:cNvSpPr/>
+          <p:nvPr/>
+        </p:nvSpPr>
+        <p:spPr>
+          <a:xfrm>
+            <a:off x="3995783" y="2643758"/>
+            <a:ext cx="1800200" cy="720080"/>
+          </a:xfrm>
+          <a:prstGeom prst="rect">
+            <a:avLst/>
+          </a:prstGeom>
+          <a:solidFill>
+            <a:schemeClr val="bg1"/>
+          </a:solidFill>
+          <a:ln>
+            <a:solidFill>
+              <a:schemeClr val="tx1"/>
+            </a:solidFill>
+          </a:ln>
+        </p:spPr>
+        <p:style>
+          <a:lnRef idx="1">
+            <a:schemeClr val="accent1"/>
+          </a:lnRef>
+          <a:fillRef idx="3">
+            <a:schemeClr val="accent1"/>
+          </a:fillRef>
+          <a:effectRef idx="2">
+            <a:schemeClr val="accent1"/>
+          </a:effectRef>
+          <a:fontRef idx="minor">
+            <a:schemeClr val="lt1"/>
+          </a:fontRef>
+        </p:style>
+        <p:txBody>
+          <a:bodyPr/>
+          <a:lstStyle/>
+          <a:p>
+            <a:pPr algn="ctr"/>
+            <a:r>
+              <a:rPr lang="ja-JP" altLang="en-US">
+                <a:solidFill>
+                  <a:schemeClr val="tx1"/>
+                </a:solidFill>
+              </a:rPr>
+              <a:t>並列計算コード</a:t>
+            </a:r>
+            <a:endParaRPr lang="en-US" altLang="ja-JP">
+              <a:solidFill>
+                <a:schemeClr val="tx1"/>
+              </a:solidFill>
+            </a:endParaRPr>
+          </a:p>
+          <a:p>
+            <a:pPr algn="ctr"/>
+            <a:r>
+              <a:rPr lang="en-US" altLang="ja-JP">
+                <a:solidFill>
+                  <a:schemeClr val="tx1"/>
+                </a:solidFill>
+              </a:rPr>
+              <a:t>(GPU</a:t>
+            </a:r>
+            <a:r>
+              <a:rPr lang="ja-JP" altLang="en-US">
+                <a:solidFill>
+                  <a:schemeClr val="tx1"/>
+                </a:solidFill>
+              </a:rPr>
+              <a:t>用機械語</a:t>
+            </a:r>
+            <a:r>
+              <a:rPr lang="en-US" altLang="ja-JP">
+                <a:solidFill>
+                  <a:schemeClr val="tx1"/>
+                </a:solidFill>
+              </a:rPr>
+              <a:t>)                    </a:t>
+            </a:r>
+            <a:endParaRPr lang="ja-JP" altLang="en-US">
+              <a:solidFill>
+                <a:schemeClr val="tx1"/>
+              </a:solidFill>
+            </a:endParaRPr>
+          </a:p>
+        </p:txBody>
+      </p:sp>
+      <p:sp>
+        <p:nvSpPr>
+          <p:cNvPr id="4" name="テキスト ボックス 3"/>
+          <p:cNvSpPr txBox="1"/>
+          <p:nvPr/>
+        </p:nvSpPr>
+        <p:spPr>
+          <a:xfrm>
+            <a:off x="611407" y="215528"/>
+            <a:ext cx="2952175" cy="369332"/>
+          </a:xfrm>
+          <a:prstGeom prst="rect">
+            <a:avLst/>
+          </a:prstGeom>
+          <a:noFill/>
+        </p:spPr>
+        <p:txBody>
+          <a:bodyPr wrap="none" rtlCol="0">
+            <a:spAutoFit/>
+          </a:bodyPr>
+          <a:lstStyle/>
+          <a:p>
+            <a:r>
+              <a:rPr kumimoji="1" lang="en-US" altLang="ja-JP"/>
+              <a:t>1.</a:t>
+            </a:r>
+            <a:r>
+              <a:rPr kumimoji="1" lang="ja-JP" altLang="en-US"/>
+              <a:t>通常の数式を</a:t>
+            </a:r>
+            <a:r>
+              <a:rPr lang="en-US" altLang="ja-JP"/>
+              <a:t>Python</a:t>
+            </a:r>
+            <a:r>
+              <a:rPr lang="ja-JP" altLang="en-US"/>
+              <a:t>で書く</a:t>
+            </a:r>
+            <a:endParaRPr kumimoji="1" lang="ja-JP" altLang="en-US"/>
+          </a:p>
+        </p:txBody>
+      </p:sp>
+      <p:sp>
+        <p:nvSpPr>
+          <p:cNvPr id="5" name="テキスト ボックス 4"/>
+          <p:cNvSpPr txBox="1"/>
+          <p:nvPr/>
+        </p:nvSpPr>
+        <p:spPr>
+          <a:xfrm>
+            <a:off x="611407" y="1275606"/>
+            <a:ext cx="3305750" cy="369332"/>
+          </a:xfrm>
+          <a:prstGeom prst="rect">
+            <a:avLst/>
+          </a:prstGeom>
+          <a:noFill/>
+        </p:spPr>
+        <p:txBody>
+          <a:bodyPr wrap="none" rtlCol="0">
+            <a:spAutoFit/>
+          </a:bodyPr>
+          <a:lstStyle/>
+          <a:p>
+            <a:r>
+              <a:rPr kumimoji="1" lang="en-US" altLang="ja-JP"/>
+              <a:t>2.GPU</a:t>
+            </a:r>
+            <a:r>
+              <a:rPr kumimoji="1" lang="ja-JP" altLang="en-US"/>
+              <a:t>用コードに自動コンパイル</a:t>
+            </a:r>
+            <a:endParaRPr kumimoji="1" lang="ja-JP" altLang="en-US"/>
+          </a:p>
+        </p:txBody>
+      </p:sp>
+      <p:sp>
+        <p:nvSpPr>
+          <p:cNvPr id="6" name="テキスト ボックス 5"/>
+          <p:cNvSpPr txBox="1"/>
+          <p:nvPr/>
+        </p:nvSpPr>
+        <p:spPr>
+          <a:xfrm>
+            <a:off x="1726609" y="3723878"/>
+            <a:ext cx="4357406" cy="369332"/>
+          </a:xfrm>
+          <a:prstGeom prst="rect">
+            <a:avLst/>
+          </a:prstGeom>
+          <a:noFill/>
+        </p:spPr>
+        <p:txBody>
+          <a:bodyPr wrap="none" rtlCol="0">
+            <a:spAutoFit/>
+          </a:bodyPr>
+          <a:lstStyle/>
+          <a:p>
+            <a:r>
+              <a:rPr kumimoji="1" lang="en-US" altLang="ja-JP"/>
+              <a:t>Python</a:t>
+            </a:r>
+            <a:r>
+              <a:rPr kumimoji="1" lang="ja-JP" altLang="en-US"/>
+              <a:t>で書いて、</a:t>
+            </a:r>
+            <a:r>
+              <a:rPr kumimoji="1" lang="en-US" altLang="ja-JP"/>
+              <a:t>C</a:t>
+            </a:r>
+            <a:r>
+              <a:rPr kumimoji="1" lang="ja-JP" altLang="en-US"/>
+              <a:t>と同等の速度が出る</a:t>
+            </a:r>
+            <a:endParaRPr kumimoji="1" lang="ja-JP" altLang="en-US"/>
+          </a:p>
+        </p:txBody>
+      </p:sp>
     </p:spTree>
     <p:extLst>
       <p:ext uri="{BB962C8B-B14F-4D97-AF65-F5344CB8AC3E}">

--- a/doc/sotsuron_figure.pptx
+++ b/doc/sotsuron_figure.pptx
@@ -18,6 +18,7 @@
     <p:sldId id="267" r:id="rId12"/>
     <p:sldId id="268" r:id="rId13"/>
     <p:sldId id="269" r:id="rId14"/>
+    <p:sldId id="270" r:id="rId15"/>
   </p:sldIdLst>
   <p:sldSz cx="9144000" cy="5143500" type="screen16x9"/>
   <p:notesSz cx="6858000" cy="9144000"/>
@@ -2543,18 +2544,18 @@
     </dgm:pt>
   </dgm:ptLst>
   <dgm:cxnLst>
-    <dgm:cxn modelId="{533B9FBA-28B9-4A4F-A914-9F32B9E6EFBC}" srcId="{5FEE9AD0-8EC5-114B-9F83-37D51F1D33C7}" destId="{82DC6802-807C-B841-95E7-9103A1CC9562}" srcOrd="0" destOrd="0" parTransId="{61F8AB96-B8B5-9B44-BEE0-78A20EE8E63C}" sibTransId="{A63A0F5E-5B36-294F-8F0D-5CBFD983F4FC}"/>
-    <dgm:cxn modelId="{0A47F138-FD29-134E-85A5-26692D74D175}" type="presOf" srcId="{7945668B-B058-DB49-9304-F587B98278AA}" destId="{92883D7B-74DC-D246-8768-33969ED71DC8}" srcOrd="1" destOrd="0" presId="urn:microsoft.com/office/officeart/2005/8/layout/orgChart1"/>
+    <dgm:cxn modelId="{98FFBC0E-07F3-1E47-9BDC-9BB9701175BD}" type="presOf" srcId="{7945668B-B058-DB49-9304-F587B98278AA}" destId="{F8699393-3A25-694C-8DE5-7A54414A8A88}" srcOrd="0" destOrd="0" presId="urn:microsoft.com/office/officeart/2005/8/layout/orgChart1"/>
+    <dgm:cxn modelId="{672B6EBB-F51A-D746-A572-4871C2227F71}" type="presOf" srcId="{82DC6802-807C-B841-95E7-9103A1CC9562}" destId="{1148A3A0-61BC-2A44-9554-761AB31FBEEF}" srcOrd="1" destOrd="0" presId="urn:microsoft.com/office/officeart/2005/8/layout/orgChart1"/>
+    <dgm:cxn modelId="{291EC639-45F4-304E-8FDC-B3B0E31E6E59}" type="presOf" srcId="{592C4DFE-DD40-6D41-92A0-AC05C31727FA}" destId="{502A42DD-3DFA-A842-B9A7-53D59E805AB2}" srcOrd="0" destOrd="0" presId="urn:microsoft.com/office/officeart/2005/8/layout/orgChart1"/>
     <dgm:cxn modelId="{D7A9CD32-ED21-C542-9984-D055682A8ACC}" type="presOf" srcId="{10C8922F-1362-B04E-936E-0D0695D016FF}" destId="{AEE54575-B308-3C42-8665-CE6811E6319C}" srcOrd="0" destOrd="0" presId="urn:microsoft.com/office/officeart/2005/8/layout/orgChart1"/>
-    <dgm:cxn modelId="{98FFBC0E-07F3-1E47-9BDC-9BB9701175BD}" type="presOf" srcId="{7945668B-B058-DB49-9304-F587B98278AA}" destId="{F8699393-3A25-694C-8DE5-7A54414A8A88}" srcOrd="0" destOrd="0" presId="urn:microsoft.com/office/officeart/2005/8/layout/orgChart1"/>
-    <dgm:cxn modelId="{291EC639-45F4-304E-8FDC-B3B0E31E6E59}" type="presOf" srcId="{592C4DFE-DD40-6D41-92A0-AC05C31727FA}" destId="{502A42DD-3DFA-A842-B9A7-53D59E805AB2}" srcOrd="0" destOrd="0" presId="urn:microsoft.com/office/officeart/2005/8/layout/orgChart1"/>
+    <dgm:cxn modelId="{28A6293D-764E-4A48-A49F-9E8155EFC486}" type="presOf" srcId="{5FEE9AD0-8EC5-114B-9F83-37D51F1D33C7}" destId="{1B39C697-D1C9-5F49-8E18-AD0146E451C1}" srcOrd="0" destOrd="0" presId="urn:microsoft.com/office/officeart/2005/8/layout/orgChart1"/>
+    <dgm:cxn modelId="{D81F3EA2-BEDE-834C-9DB3-F414F3456C39}" type="presOf" srcId="{52959CAB-6101-D04C-9580-8F8801872AD0}" destId="{20314882-457D-1541-B813-E5064EDBA8CF}" srcOrd="0" destOrd="0" presId="urn:microsoft.com/office/officeart/2005/8/layout/orgChart1"/>
     <dgm:cxn modelId="{2019647D-F1D2-4448-B6AC-1BC45A69EAB5}" type="presOf" srcId="{592C4DFE-DD40-6D41-92A0-AC05C31727FA}" destId="{B109B4A7-B0F0-BF4D-BCCE-886AFB40A852}" srcOrd="1" destOrd="0" presId="urn:microsoft.com/office/officeart/2005/8/layout/orgChart1"/>
     <dgm:cxn modelId="{FD388C5A-8613-F143-80CB-468AC3D3367B}" type="presOf" srcId="{82DC6802-807C-B841-95E7-9103A1CC9562}" destId="{29C4D0B1-424F-BE4B-9A6E-FA7D4351CE71}" srcOrd="0" destOrd="0" presId="urn:microsoft.com/office/officeart/2005/8/layout/orgChart1"/>
+    <dgm:cxn modelId="{0A47F138-FD29-134E-85A5-26692D74D175}" type="presOf" srcId="{7945668B-B058-DB49-9304-F587B98278AA}" destId="{92883D7B-74DC-D246-8768-33969ED71DC8}" srcOrd="1" destOrd="0" presId="urn:microsoft.com/office/officeart/2005/8/layout/orgChart1"/>
     <dgm:cxn modelId="{97F9144A-2C6C-B847-BC0D-7722C23DBE26}" srcId="{82DC6802-807C-B841-95E7-9103A1CC9562}" destId="{7945668B-B058-DB49-9304-F587B98278AA}" srcOrd="0" destOrd="0" parTransId="{10C8922F-1362-B04E-936E-0D0695D016FF}" sibTransId="{12A883A9-E1FB-BF4A-BCD9-29EC42E0729B}"/>
-    <dgm:cxn modelId="{28A6293D-764E-4A48-A49F-9E8155EFC486}" type="presOf" srcId="{5FEE9AD0-8EC5-114B-9F83-37D51F1D33C7}" destId="{1B39C697-D1C9-5F49-8E18-AD0146E451C1}" srcOrd="0" destOrd="0" presId="urn:microsoft.com/office/officeart/2005/8/layout/orgChart1"/>
+    <dgm:cxn modelId="{533B9FBA-28B9-4A4F-A914-9F32B9E6EFBC}" srcId="{5FEE9AD0-8EC5-114B-9F83-37D51F1D33C7}" destId="{82DC6802-807C-B841-95E7-9103A1CC9562}" srcOrd="0" destOrd="0" parTransId="{61F8AB96-B8B5-9B44-BEE0-78A20EE8E63C}" sibTransId="{A63A0F5E-5B36-294F-8F0D-5CBFD983F4FC}"/>
     <dgm:cxn modelId="{930DA5CE-A78A-7C4C-86B9-E543C7BADF3B}" srcId="{82DC6802-807C-B841-95E7-9103A1CC9562}" destId="{592C4DFE-DD40-6D41-92A0-AC05C31727FA}" srcOrd="1" destOrd="0" parTransId="{52959CAB-6101-D04C-9580-8F8801872AD0}" sibTransId="{ED8FD220-A1D9-6A41-8288-B6376826290F}"/>
-    <dgm:cxn modelId="{672B6EBB-F51A-D746-A572-4871C2227F71}" type="presOf" srcId="{82DC6802-807C-B841-95E7-9103A1CC9562}" destId="{1148A3A0-61BC-2A44-9554-761AB31FBEEF}" srcOrd="1" destOrd="0" presId="urn:microsoft.com/office/officeart/2005/8/layout/orgChart1"/>
-    <dgm:cxn modelId="{D81F3EA2-BEDE-834C-9DB3-F414F3456C39}" type="presOf" srcId="{52959CAB-6101-D04C-9580-8F8801872AD0}" destId="{20314882-457D-1541-B813-E5064EDBA8CF}" srcOrd="0" destOrd="0" presId="urn:microsoft.com/office/officeart/2005/8/layout/orgChart1"/>
     <dgm:cxn modelId="{00F7E94C-02D4-6E44-A1DE-DFCFEB0EBAD2}" type="presParOf" srcId="{1B39C697-D1C9-5F49-8E18-AD0146E451C1}" destId="{D228326A-3066-8943-ACF0-313E5EC86CAE}" srcOrd="0" destOrd="0" presId="urn:microsoft.com/office/officeart/2005/8/layout/orgChart1"/>
     <dgm:cxn modelId="{4B018F6C-F197-B044-81E9-0210E38A8EF2}" type="presParOf" srcId="{D228326A-3066-8943-ACF0-313E5EC86CAE}" destId="{EDF28F79-9AD3-5C4C-9E7D-5D41C3104270}" srcOrd="0" destOrd="0" presId="urn:microsoft.com/office/officeart/2005/8/layout/orgChart1"/>
     <dgm:cxn modelId="{71758DCC-2296-0246-B426-BBD52142A36A}" type="presParOf" srcId="{EDF28F79-9AD3-5C4C-9E7D-5D41C3104270}" destId="{29C4D0B1-424F-BE4B-9A6E-FA7D4351CE71}" srcOrd="0" destOrd="0" presId="urn:microsoft.com/office/officeart/2005/8/layout/orgChart1"/>
@@ -3201,421 +3202,6 @@
       <dsp:cNvGrpSpPr/>
     </dsp:nvGrpSpPr>
     <dsp:grpSpPr/>
-    <dsp:sp modelId="{20314882-457D-1541-B813-E5064EDBA8CF}">
-      <dsp:nvSpPr>
-        <dsp:cNvPr id="0" name=""/>
-        <dsp:cNvSpPr/>
-      </dsp:nvSpPr>
-      <dsp:spPr>
-        <a:xfrm>
-          <a:off x="3102750" y="1289575"/>
-          <a:ext cx="1402373" cy="486774"/>
-        </a:xfrm>
-        <a:custGeom>
-          <a:avLst/>
-          <a:gdLst/>
-          <a:ahLst/>
-          <a:cxnLst/>
-          <a:rect l="0" t="0" r="0" b="0"/>
-          <a:pathLst>
-            <a:path>
-              <a:moveTo>
-                <a:pt x="0" y="0"/>
-              </a:moveTo>
-              <a:lnTo>
-                <a:pt x="0" y="243387"/>
-              </a:lnTo>
-              <a:lnTo>
-                <a:pt x="1402373" y="243387"/>
-              </a:lnTo>
-              <a:lnTo>
-                <a:pt x="1402373" y="486774"/>
-              </a:lnTo>
-            </a:path>
-          </a:pathLst>
-        </a:custGeom>
-        <a:noFill/>
-        <a:ln w="9525" cap="flat" cmpd="sng" algn="ctr">
-          <a:solidFill>
-            <a:schemeClr val="dk1">
-              <a:shade val="60000"/>
-              <a:hueOff val="0"/>
-              <a:satOff val="0"/>
-              <a:lumOff val="0"/>
-              <a:alphaOff val="0"/>
-            </a:schemeClr>
-          </a:solidFill>
-          <a:prstDash val="solid"/>
-        </a:ln>
-        <a:effectLst/>
-      </dsp:spPr>
-      <dsp:style>
-        <a:lnRef idx="1">
-          <a:scrgbClr r="0" g="0" b="0"/>
-        </a:lnRef>
-        <a:fillRef idx="0">
-          <a:scrgbClr r="0" g="0" b="0"/>
-        </a:fillRef>
-        <a:effectRef idx="0">
-          <a:scrgbClr r="0" g="0" b="0"/>
-        </a:effectRef>
-        <a:fontRef idx="minor"/>
-      </dsp:style>
-    </dsp:sp>
-    <dsp:sp modelId="{AEE54575-B308-3C42-8665-CE6811E6319C}">
-      <dsp:nvSpPr>
-        <dsp:cNvPr id="0" name=""/>
-        <dsp:cNvSpPr/>
-      </dsp:nvSpPr>
-      <dsp:spPr>
-        <a:xfrm>
-          <a:off x="1700376" y="1289575"/>
-          <a:ext cx="1402373" cy="486774"/>
-        </a:xfrm>
-        <a:custGeom>
-          <a:avLst/>
-          <a:gdLst/>
-          <a:ahLst/>
-          <a:cxnLst/>
-          <a:rect l="0" t="0" r="0" b="0"/>
-          <a:pathLst>
-            <a:path>
-              <a:moveTo>
-                <a:pt x="1402373" y="0"/>
-              </a:moveTo>
-              <a:lnTo>
-                <a:pt x="1402373" y="243387"/>
-              </a:lnTo>
-              <a:lnTo>
-                <a:pt x="0" y="243387"/>
-              </a:lnTo>
-              <a:lnTo>
-                <a:pt x="0" y="486774"/>
-              </a:lnTo>
-            </a:path>
-          </a:pathLst>
-        </a:custGeom>
-        <a:noFill/>
-        <a:ln w="9525" cap="flat" cmpd="sng" algn="ctr">
-          <a:solidFill>
-            <a:schemeClr val="dk1">
-              <a:shade val="60000"/>
-              <a:hueOff val="0"/>
-              <a:satOff val="0"/>
-              <a:lumOff val="0"/>
-              <a:alphaOff val="0"/>
-            </a:schemeClr>
-          </a:solidFill>
-          <a:prstDash val="solid"/>
-        </a:ln>
-        <a:effectLst/>
-      </dsp:spPr>
-      <dsp:style>
-        <a:lnRef idx="1">
-          <a:scrgbClr r="0" g="0" b="0"/>
-        </a:lnRef>
-        <a:fillRef idx="0">
-          <a:scrgbClr r="0" g="0" b="0"/>
-        </a:fillRef>
-        <a:effectRef idx="0">
-          <a:scrgbClr r="0" g="0" b="0"/>
-        </a:effectRef>
-        <a:fontRef idx="minor"/>
-      </dsp:style>
-    </dsp:sp>
-    <dsp:sp modelId="{29C4D0B1-424F-BE4B-9A6E-FA7D4351CE71}">
-      <dsp:nvSpPr>
-        <dsp:cNvPr id="0" name=""/>
-        <dsp:cNvSpPr/>
-      </dsp:nvSpPr>
-      <dsp:spPr>
-        <a:xfrm>
-          <a:off x="1868314" y="2034"/>
-          <a:ext cx="2468872" cy="1287541"/>
-        </a:xfrm>
-        <a:prstGeom prst="rect">
-          <a:avLst/>
-        </a:prstGeom>
-        <a:gradFill rotWithShape="0">
-          <a:gsLst>
-            <a:gs pos="0">
-              <a:schemeClr val="lt1">
-                <a:hueOff val="0"/>
-                <a:satOff val="0"/>
-                <a:lumOff val="0"/>
-                <a:alphaOff val="0"/>
-                <a:tint val="100000"/>
-                <a:shade val="100000"/>
-                <a:satMod val="130000"/>
-              </a:schemeClr>
-            </a:gs>
-            <a:gs pos="100000">
-              <a:schemeClr val="lt1">
-                <a:hueOff val="0"/>
-                <a:satOff val="0"/>
-                <a:lumOff val="0"/>
-                <a:alphaOff val="0"/>
-                <a:tint val="50000"/>
-                <a:shade val="100000"/>
-                <a:satMod val="350000"/>
-              </a:schemeClr>
-            </a:gs>
-          </a:gsLst>
-          <a:lin ang="16200000" scaled="0"/>
-        </a:gradFill>
-        <a:ln>
-          <a:noFill/>
-        </a:ln>
-        <a:effectLst>
-          <a:outerShdw blurRad="40000" dist="23000" dir="5400000" rotWithShape="0">
-            <a:srgbClr val="000000">
-              <a:alpha val="35000"/>
-            </a:srgbClr>
-          </a:outerShdw>
-        </a:effectLst>
-      </dsp:spPr>
-      <dsp:style>
-        <a:lnRef idx="0">
-          <a:scrgbClr r="0" g="0" b="0"/>
-        </a:lnRef>
-        <a:fillRef idx="3">
-          <a:scrgbClr r="0" g="0" b="0"/>
-        </a:fillRef>
-        <a:effectRef idx="2">
-          <a:scrgbClr r="0" g="0" b="0"/>
-        </a:effectRef>
-        <a:fontRef idx="minor">
-          <a:schemeClr val="lt1"/>
-        </a:fontRef>
-      </dsp:style>
-      <dsp:txBody>
-        <a:bodyPr spcFirstLastPara="0" vert="horz" wrap="square" lIns="10160" tIns="10160" rIns="10160" bIns="10160" numCol="1" spcCol="1270" anchor="ctr" anchorCtr="0">
-          <a:noAutofit/>
-        </a:bodyPr>
-        <a:lstStyle/>
-        <a:p>
-          <a:pPr lvl="0" algn="ctr" defTabSz="711200">
-            <a:lnSpc>
-              <a:spcPct val="90000"/>
-            </a:lnSpc>
-            <a:spcBef>
-              <a:spcPct val="0"/>
-            </a:spcBef>
-            <a:spcAft>
-              <a:spcPct val="35000"/>
-            </a:spcAft>
-          </a:pPr>
-          <a:r>
-            <a:rPr kumimoji="1" lang="ja-JP" altLang="en-US" sz="1600" kern="1200"/>
-            <a:t>既存ソースコード利用のリスク</a:t>
-          </a:r>
-        </a:p>
-      </dsp:txBody>
-      <dsp:txXfrm>
-        <a:off x="1868314" y="2034"/>
-        <a:ext cx="2468872" cy="1287541"/>
-      </dsp:txXfrm>
-    </dsp:sp>
-    <dsp:sp modelId="{F8699393-3A25-694C-8DE5-7A54414A8A88}">
-      <dsp:nvSpPr>
-        <dsp:cNvPr id="0" name=""/>
-        <dsp:cNvSpPr/>
-      </dsp:nvSpPr>
-      <dsp:spPr>
-        <a:xfrm>
-          <a:off x="541390" y="1776350"/>
-          <a:ext cx="2317972" cy="1158986"/>
-        </a:xfrm>
-        <a:prstGeom prst="rect">
-          <a:avLst/>
-        </a:prstGeom>
-        <a:gradFill rotWithShape="0">
-          <a:gsLst>
-            <a:gs pos="0">
-              <a:schemeClr val="lt1">
-                <a:hueOff val="0"/>
-                <a:satOff val="0"/>
-                <a:lumOff val="0"/>
-                <a:alphaOff val="0"/>
-                <a:tint val="100000"/>
-                <a:shade val="100000"/>
-                <a:satMod val="130000"/>
-              </a:schemeClr>
-            </a:gs>
-            <a:gs pos="100000">
-              <a:schemeClr val="lt1">
-                <a:hueOff val="0"/>
-                <a:satOff val="0"/>
-                <a:lumOff val="0"/>
-                <a:alphaOff val="0"/>
-                <a:tint val="50000"/>
-                <a:shade val="100000"/>
-                <a:satMod val="350000"/>
-              </a:schemeClr>
-            </a:gs>
-          </a:gsLst>
-          <a:lin ang="16200000" scaled="0"/>
-        </a:gradFill>
-        <a:ln>
-          <a:noFill/>
-        </a:ln>
-        <a:effectLst>
-          <a:outerShdw blurRad="40000" dist="23000" dir="5400000" rotWithShape="0">
-            <a:srgbClr val="000000">
-              <a:alpha val="35000"/>
-            </a:srgbClr>
-          </a:outerShdw>
-        </a:effectLst>
-      </dsp:spPr>
-      <dsp:style>
-        <a:lnRef idx="0">
-          <a:scrgbClr r="0" g="0" b="0"/>
-        </a:lnRef>
-        <a:fillRef idx="3">
-          <a:scrgbClr r="0" g="0" b="0"/>
-        </a:fillRef>
-        <a:effectRef idx="2">
-          <a:scrgbClr r="0" g="0" b="0"/>
-        </a:effectRef>
-        <a:fontRef idx="minor">
-          <a:schemeClr val="lt1"/>
-        </a:fontRef>
-      </dsp:style>
-      <dsp:txBody>
-        <a:bodyPr spcFirstLastPara="0" vert="horz" wrap="square" lIns="10160" tIns="10160" rIns="10160" bIns="10160" numCol="1" spcCol="1270" anchor="ctr" anchorCtr="0">
-          <a:noAutofit/>
-        </a:bodyPr>
-        <a:lstStyle/>
-        <a:p>
-          <a:pPr lvl="0" algn="ctr" defTabSz="711200">
-            <a:lnSpc>
-              <a:spcPct val="90000"/>
-            </a:lnSpc>
-            <a:spcBef>
-              <a:spcPct val="0"/>
-            </a:spcBef>
-            <a:spcAft>
-              <a:spcPct val="35000"/>
-            </a:spcAft>
-          </a:pPr>
-          <a:r>
-            <a:rPr kumimoji="1" lang="ja-JP" altLang="en-US" sz="1600" kern="1200"/>
-            <a:t>分類器のアルゴリズム </a:t>
-          </a:r>
-          <a:r>
-            <a:rPr kumimoji="1" lang="en-US" altLang="en-US" sz="1600" kern="1200"/>
-            <a:t>/ </a:t>
-          </a:r>
-          <a:r>
-            <a:rPr kumimoji="1" lang="ja-JP" altLang="en-US" sz="1600" kern="1200"/>
-            <a:t>実装として、信頼出来るのか</a:t>
-          </a:r>
-          <a:r>
-            <a:rPr kumimoji="1" lang="en-US" altLang="en-US" sz="1600" kern="1200"/>
-            <a:t>?</a:t>
-          </a:r>
-          <a:endParaRPr lang="ja-JP" altLang="en-US" sz="1600" kern="1200"/>
-        </a:p>
-      </dsp:txBody>
-      <dsp:txXfrm>
-        <a:off x="541390" y="1776350"/>
-        <a:ext cx="2317972" cy="1158986"/>
-      </dsp:txXfrm>
-    </dsp:sp>
-    <dsp:sp modelId="{502A42DD-3DFA-A842-B9A7-53D59E805AB2}">
-      <dsp:nvSpPr>
-        <dsp:cNvPr id="0" name=""/>
-        <dsp:cNvSpPr/>
-      </dsp:nvSpPr>
-      <dsp:spPr>
-        <a:xfrm>
-          <a:off x="3346137" y="1776350"/>
-          <a:ext cx="2317972" cy="1158986"/>
-        </a:xfrm>
-        <a:prstGeom prst="rect">
-          <a:avLst/>
-        </a:prstGeom>
-        <a:gradFill rotWithShape="0">
-          <a:gsLst>
-            <a:gs pos="0">
-              <a:schemeClr val="lt1">
-                <a:hueOff val="0"/>
-                <a:satOff val="0"/>
-                <a:lumOff val="0"/>
-                <a:alphaOff val="0"/>
-                <a:tint val="100000"/>
-                <a:shade val="100000"/>
-                <a:satMod val="130000"/>
-              </a:schemeClr>
-            </a:gs>
-            <a:gs pos="100000">
-              <a:schemeClr val="lt1">
-                <a:hueOff val="0"/>
-                <a:satOff val="0"/>
-                <a:lumOff val="0"/>
-                <a:alphaOff val="0"/>
-                <a:tint val="50000"/>
-                <a:shade val="100000"/>
-                <a:satMod val="350000"/>
-              </a:schemeClr>
-            </a:gs>
-          </a:gsLst>
-          <a:lin ang="16200000" scaled="0"/>
-        </a:gradFill>
-        <a:ln>
-          <a:noFill/>
-        </a:ln>
-        <a:effectLst>
-          <a:outerShdw blurRad="40000" dist="23000" dir="5400000" rotWithShape="0">
-            <a:srgbClr val="000000">
-              <a:alpha val="35000"/>
-            </a:srgbClr>
-          </a:outerShdw>
-        </a:effectLst>
-      </dsp:spPr>
-      <dsp:style>
-        <a:lnRef idx="0">
-          <a:scrgbClr r="0" g="0" b="0"/>
-        </a:lnRef>
-        <a:fillRef idx="3">
-          <a:scrgbClr r="0" g="0" b="0"/>
-        </a:fillRef>
-        <a:effectRef idx="2">
-          <a:scrgbClr r="0" g="0" b="0"/>
-        </a:effectRef>
-        <a:fontRef idx="minor">
-          <a:schemeClr val="lt1"/>
-        </a:fontRef>
-      </dsp:style>
-      <dsp:txBody>
-        <a:bodyPr spcFirstLastPara="0" vert="horz" wrap="square" lIns="10160" tIns="10160" rIns="10160" bIns="10160" numCol="1" spcCol="1270" anchor="ctr" anchorCtr="0">
-          <a:noAutofit/>
-        </a:bodyPr>
-        <a:lstStyle/>
-        <a:p>
-          <a:pPr lvl="0" algn="ctr" defTabSz="711200">
-            <a:lnSpc>
-              <a:spcPct val="90000"/>
-            </a:lnSpc>
-            <a:spcBef>
-              <a:spcPct val="0"/>
-            </a:spcBef>
-            <a:spcAft>
-              <a:spcPct val="35000"/>
-            </a:spcAft>
-          </a:pPr>
-          <a:r>
-            <a:rPr kumimoji="1" lang="ja-JP" altLang="en-US" sz="1600" kern="1200"/>
-            <a:t>実装の全貌が把握できていないため、改良しにくい</a:t>
-          </a:r>
-          <a:endParaRPr lang="ja-JP" altLang="en-US" sz="1600" kern="1200"/>
-        </a:p>
-      </dsp:txBody>
-      <dsp:txXfrm>
-        <a:off x="3346137" y="1776350"/>
-        <a:ext cx="2317972" cy="1158986"/>
-      </dsp:txXfrm>
-    </dsp:sp>
   </dsp:spTree>
 </dsp:drawing>
 </file>
@@ -11660,7 +11246,6 @@
               <a:rPr kumimoji="1" lang="ja-JP" altLang="en-US"/>
               <a:t>用コードに自動コンパイル</a:t>
             </a:r>
-            <a:endParaRPr kumimoji="1" lang="ja-JP" altLang="en-US"/>
           </a:p>
         </p:txBody>
       </p:sp>
@@ -11702,7 +11287,6 @@
               <a:rPr kumimoji="1" lang="ja-JP" altLang="en-US"/>
               <a:t>と同等の速度が出る</a:t>
             </a:r>
-            <a:endParaRPr kumimoji="1" lang="ja-JP" altLang="en-US"/>
           </a:p>
         </p:txBody>
       </p:sp>
@@ -11710,6 +11294,1295 @@
     <p:extLst>
       <p:ext uri="{BB962C8B-B14F-4D97-AF65-F5344CB8AC3E}">
         <p14:creationId xmlns:p14="http://schemas.microsoft.com/office/powerpoint/2010/main" val="2083301371"/>
+      </p:ext>
+    </p:extLst>
+  </p:cSld>
+  <p:clrMapOvr>
+    <a:masterClrMapping/>
+  </p:clrMapOvr>
+</p:sld>
+</file>
+
+<file path=ppt/slides/slide14.xml><?xml version="1.0" encoding="utf-8"?>
+<p:sld xmlns:a="http://schemas.openxmlformats.org/drawingml/2006/main" xmlns:r="http://schemas.openxmlformats.org/officeDocument/2006/relationships" xmlns:p="http://schemas.openxmlformats.org/presentationml/2006/main">
+  <p:cSld>
+    <p:spTree>
+      <p:nvGrpSpPr>
+        <p:cNvPr id="1" name=""/>
+        <p:cNvGrpSpPr/>
+        <p:nvPr/>
+      </p:nvGrpSpPr>
+      <p:grpSpPr>
+        <a:xfrm>
+          <a:off x="0" y="0"/>
+          <a:ext cx="0" cy="0"/>
+          <a:chOff x="0" y="0"/>
+          <a:chExt cx="0" cy="0"/>
+        </a:xfrm>
+      </p:grpSpPr>
+      <p:pic>
+        <p:nvPicPr>
+          <p:cNvPr id="4" name="図 3" descr="wiki_logo.png"/>
+          <p:cNvPicPr>
+            <a:picLocks noChangeAspect="1"/>
+          </p:cNvPicPr>
+          <p:nvPr/>
+        </p:nvPicPr>
+        <p:blipFill>
+          <a:blip r:embed="rId2">
+            <a:extLst>
+              <a:ext uri="{28A0092B-C50C-407E-A947-70E740481C1C}">
+                <a14:useLocalDpi xmlns:a14="http://schemas.microsoft.com/office/drawing/2010/main" val="0"/>
+              </a:ext>
+            </a:extLst>
+          </a:blip>
+          <a:stretch>
+            <a:fillRect/>
+          </a:stretch>
+        </p:blipFill>
+        <p:spPr>
+          <a:xfrm>
+            <a:off x="7082695" y="3363838"/>
+            <a:ext cx="873681" cy="1003116"/>
+          </a:xfrm>
+          <a:prstGeom prst="rect">
+            <a:avLst/>
+          </a:prstGeom>
+        </p:spPr>
+      </p:pic>
+      <p:pic>
+        <p:nvPicPr>
+          <p:cNvPr id="5" name="図 4" descr="imagenet_logo.jpg"/>
+          <p:cNvPicPr>
+            <a:picLocks noChangeAspect="1"/>
+          </p:cNvPicPr>
+          <p:nvPr/>
+        </p:nvPicPr>
+        <p:blipFill>
+          <a:blip r:embed="rId3">
+            <a:extLst>
+              <a:ext uri="{28A0092B-C50C-407E-A947-70E740481C1C}">
+                <a14:useLocalDpi xmlns:a14="http://schemas.microsoft.com/office/drawing/2010/main" val="0"/>
+              </a:ext>
+            </a:extLst>
+          </a:blip>
+          <a:stretch>
+            <a:fillRect/>
+          </a:stretch>
+        </p:blipFill>
+        <p:spPr>
+          <a:xfrm>
+            <a:off x="827584" y="3639526"/>
+            <a:ext cx="1657514" cy="228368"/>
+          </a:xfrm>
+          <a:prstGeom prst="rect">
+            <a:avLst/>
+          </a:prstGeom>
+        </p:spPr>
+      </p:pic>
+      <p:cxnSp>
+        <p:nvCxnSpPr>
+          <p:cNvPr id="7" name="直線矢印コネクタ 6"/>
+          <p:cNvCxnSpPr/>
+          <p:nvPr/>
+        </p:nvCxnSpPr>
+        <p:spPr>
+          <a:xfrm flipV="1">
+            <a:off x="7491444" y="2931790"/>
+            <a:ext cx="0" cy="423446"/>
+          </a:xfrm>
+          <a:prstGeom prst="straightConnector1">
+            <a:avLst/>
+          </a:prstGeom>
+          <a:ln>
+            <a:solidFill>
+              <a:schemeClr val="tx1"/>
+            </a:solidFill>
+            <a:tailEnd type="arrow"/>
+          </a:ln>
+        </p:spPr>
+        <p:style>
+          <a:lnRef idx="2">
+            <a:schemeClr val="accent1"/>
+          </a:lnRef>
+          <a:fillRef idx="0">
+            <a:schemeClr val="accent1"/>
+          </a:fillRef>
+          <a:effectRef idx="1">
+            <a:schemeClr val="accent1"/>
+          </a:effectRef>
+          <a:fontRef idx="minor">
+            <a:schemeClr val="tx1"/>
+          </a:fontRef>
+        </p:style>
+      </p:cxnSp>
+      <p:cxnSp>
+        <p:nvCxnSpPr>
+          <p:cNvPr id="8" name="直線矢印コネクタ 7"/>
+          <p:cNvCxnSpPr/>
+          <p:nvPr/>
+        </p:nvCxnSpPr>
+        <p:spPr>
+          <a:xfrm flipV="1">
+            <a:off x="1656341" y="2931790"/>
+            <a:ext cx="0" cy="504056"/>
+          </a:xfrm>
+          <a:prstGeom prst="straightConnector1">
+            <a:avLst/>
+          </a:prstGeom>
+          <a:ln>
+            <a:solidFill>
+              <a:schemeClr val="tx1"/>
+            </a:solidFill>
+            <a:tailEnd type="arrow"/>
+          </a:ln>
+        </p:spPr>
+        <p:style>
+          <a:lnRef idx="2">
+            <a:schemeClr val="accent1"/>
+          </a:lnRef>
+          <a:fillRef idx="0">
+            <a:schemeClr val="accent1"/>
+          </a:fillRef>
+          <a:effectRef idx="1">
+            <a:schemeClr val="accent1"/>
+          </a:effectRef>
+          <a:fontRef idx="minor">
+            <a:schemeClr val="tx1"/>
+          </a:fontRef>
+        </p:style>
+      </p:cxnSp>
+      <p:sp>
+        <p:nvSpPr>
+          <p:cNvPr id="9" name="正方形/長方形 8"/>
+          <p:cNvSpPr/>
+          <p:nvPr/>
+        </p:nvSpPr>
+        <p:spPr>
+          <a:xfrm>
+            <a:off x="6876256" y="2067694"/>
+            <a:ext cx="1224136" cy="720080"/>
+          </a:xfrm>
+          <a:prstGeom prst="rect">
+            <a:avLst/>
+          </a:prstGeom>
+          <a:solidFill>
+            <a:schemeClr val="bg1"/>
+          </a:solidFill>
+        </p:spPr>
+        <p:style>
+          <a:lnRef idx="1">
+            <a:schemeClr val="accent1"/>
+          </a:lnRef>
+          <a:fillRef idx="3">
+            <a:schemeClr val="accent1"/>
+          </a:fillRef>
+          <a:effectRef idx="2">
+            <a:schemeClr val="accent1"/>
+          </a:effectRef>
+          <a:fontRef idx="minor">
+            <a:schemeClr val="lt1"/>
+          </a:fontRef>
+        </p:style>
+        <p:txBody>
+          <a:bodyPr rtlCol="0" anchor="ctr"/>
+          <a:lstStyle/>
+          <a:p>
+            <a:pPr algn="ctr"/>
+            <a:r>
+              <a:rPr lang="ja-JP" altLang="en-US" sz="1200">
+                <a:solidFill>
+                  <a:srgbClr val="000000"/>
+                </a:solidFill>
+              </a:rPr>
+              <a:t>テキスト意味</a:t>
+            </a:r>
+            <a:endParaRPr lang="en-US" altLang="ja-JP" sz="1200">
+              <a:solidFill>
+                <a:srgbClr val="000000"/>
+              </a:solidFill>
+            </a:endParaRPr>
+          </a:p>
+          <a:p>
+            <a:pPr algn="ctr"/>
+            <a:r>
+              <a:rPr lang="ja-JP" altLang="en-US" sz="1200">
+                <a:solidFill>
+                  <a:srgbClr val="000000"/>
+                </a:solidFill>
+              </a:rPr>
+              <a:t>モデル</a:t>
+            </a:r>
+            <a:endParaRPr kumimoji="1" lang="ja-JP" altLang="en-US" sz="1200">
+              <a:solidFill>
+                <a:srgbClr val="000000"/>
+              </a:solidFill>
+            </a:endParaRPr>
+          </a:p>
+        </p:txBody>
+      </p:sp>
+      <p:sp>
+        <p:nvSpPr>
+          <p:cNvPr id="10" name="正方形/長方形 9"/>
+          <p:cNvSpPr/>
+          <p:nvPr/>
+        </p:nvSpPr>
+        <p:spPr>
+          <a:xfrm>
+            <a:off x="1029975" y="2116618"/>
+            <a:ext cx="1202430" cy="671156"/>
+          </a:xfrm>
+          <a:prstGeom prst="rect">
+            <a:avLst/>
+          </a:prstGeom>
+          <a:solidFill>
+            <a:schemeClr val="bg1"/>
+          </a:solidFill>
+        </p:spPr>
+        <p:style>
+          <a:lnRef idx="1">
+            <a:schemeClr val="accent1"/>
+          </a:lnRef>
+          <a:fillRef idx="3">
+            <a:schemeClr val="accent1"/>
+          </a:fillRef>
+          <a:effectRef idx="2">
+            <a:schemeClr val="accent1"/>
+          </a:effectRef>
+          <a:fontRef idx="minor">
+            <a:schemeClr val="lt1"/>
+          </a:fontRef>
+        </p:style>
+        <p:txBody>
+          <a:bodyPr rtlCol="0" anchor="ctr"/>
+          <a:lstStyle/>
+          <a:p>
+            <a:pPr algn="ctr"/>
+            <a:r>
+              <a:rPr lang="ja-JP" altLang="en-US" sz="1200">
+                <a:solidFill>
+                  <a:srgbClr val="000000"/>
+                </a:solidFill>
+              </a:rPr>
+              <a:t>画像認識</a:t>
+            </a:r>
+            <a:endParaRPr lang="en-US" altLang="ja-JP" sz="1200">
+              <a:solidFill>
+                <a:srgbClr val="000000"/>
+              </a:solidFill>
+            </a:endParaRPr>
+          </a:p>
+          <a:p>
+            <a:pPr algn="ctr"/>
+            <a:r>
+              <a:rPr lang="ja-JP" altLang="en-US" sz="1200">
+                <a:solidFill>
+                  <a:srgbClr val="000000"/>
+                </a:solidFill>
+              </a:rPr>
+              <a:t>モデル</a:t>
+            </a:r>
+            <a:endParaRPr kumimoji="1" lang="ja-JP" altLang="en-US" sz="1200">
+              <a:solidFill>
+                <a:srgbClr val="000000"/>
+              </a:solidFill>
+            </a:endParaRPr>
+          </a:p>
+        </p:txBody>
+      </p:sp>
+      <p:cxnSp>
+        <p:nvCxnSpPr>
+          <p:cNvPr id="11" name="直線矢印コネクタ 10"/>
+          <p:cNvCxnSpPr/>
+          <p:nvPr/>
+        </p:nvCxnSpPr>
+        <p:spPr>
+          <a:xfrm flipH="1" flipV="1">
+            <a:off x="1656342" y="1541292"/>
+            <a:ext cx="1" cy="454394"/>
+          </a:xfrm>
+          <a:prstGeom prst="straightConnector1">
+            <a:avLst/>
+          </a:prstGeom>
+          <a:ln>
+            <a:solidFill>
+              <a:schemeClr val="tx1"/>
+            </a:solidFill>
+            <a:tailEnd type="arrow"/>
+          </a:ln>
+        </p:spPr>
+        <p:style>
+          <a:lnRef idx="2">
+            <a:schemeClr val="accent1"/>
+          </a:lnRef>
+          <a:fillRef idx="0">
+            <a:schemeClr val="accent1"/>
+          </a:fillRef>
+          <a:effectRef idx="1">
+            <a:schemeClr val="accent1"/>
+          </a:effectRef>
+          <a:fontRef idx="minor">
+            <a:schemeClr val="tx1"/>
+          </a:fontRef>
+        </p:style>
+      </p:cxnSp>
+      <p:cxnSp>
+        <p:nvCxnSpPr>
+          <p:cNvPr id="12" name="直線矢印コネクタ 11"/>
+          <p:cNvCxnSpPr/>
+          <p:nvPr/>
+        </p:nvCxnSpPr>
+        <p:spPr>
+          <a:xfrm flipV="1">
+            <a:off x="7491444" y="1563638"/>
+            <a:ext cx="0" cy="423446"/>
+          </a:xfrm>
+          <a:prstGeom prst="straightConnector1">
+            <a:avLst/>
+          </a:prstGeom>
+          <a:ln>
+            <a:solidFill>
+              <a:schemeClr val="tx1"/>
+            </a:solidFill>
+            <a:tailEnd type="arrow"/>
+          </a:ln>
+        </p:spPr>
+        <p:style>
+          <a:lnRef idx="2">
+            <a:schemeClr val="accent1"/>
+          </a:lnRef>
+          <a:fillRef idx="0">
+            <a:schemeClr val="accent1"/>
+          </a:fillRef>
+          <a:effectRef idx="1">
+            <a:schemeClr val="accent1"/>
+          </a:effectRef>
+          <a:fontRef idx="minor">
+            <a:schemeClr val="tx1"/>
+          </a:fontRef>
+        </p:style>
+      </p:cxnSp>
+      <p:sp>
+        <p:nvSpPr>
+          <p:cNvPr id="13" name="テキスト ボックス 12"/>
+          <p:cNvSpPr txBox="1"/>
+          <p:nvPr/>
+        </p:nvSpPr>
+        <p:spPr>
+          <a:xfrm>
+            <a:off x="989688" y="1029965"/>
+            <a:ext cx="1242717" cy="461665"/>
+          </a:xfrm>
+          <a:prstGeom prst="rect">
+            <a:avLst/>
+          </a:prstGeom>
+          <a:noFill/>
+        </p:spPr>
+        <p:txBody>
+          <a:bodyPr wrap="square" rtlCol="0">
+            <a:spAutoFit/>
+          </a:bodyPr>
+          <a:lstStyle/>
+          <a:p>
+            <a:pPr algn="ctr"/>
+            <a:r>
+              <a:rPr lang="en-US" altLang="ja-JP" sz="1200"/>
+              <a:t>ImageNet</a:t>
+            </a:r>
+            <a:r>
+              <a:rPr lang="ja-JP" altLang="en-US" sz="1200"/>
+              <a:t>の</a:t>
+            </a:r>
+            <a:endParaRPr lang="en-US" altLang="ja-JP" sz="1200"/>
+          </a:p>
+          <a:p>
+            <a:pPr algn="ctr"/>
+            <a:r>
+              <a:rPr kumimoji="1" lang="ja-JP" altLang="en-US" sz="1200"/>
+              <a:t>教師ラベル</a:t>
+            </a:r>
+            <a:endParaRPr kumimoji="1" lang="ja-JP" altLang="en-US" sz="1200"/>
+          </a:p>
+        </p:txBody>
+      </p:sp>
+      <p:sp>
+        <p:nvSpPr>
+          <p:cNvPr id="14" name="テキスト ボックス 13"/>
+          <p:cNvSpPr txBox="1"/>
+          <p:nvPr/>
+        </p:nvSpPr>
+        <p:spPr>
+          <a:xfrm>
+            <a:off x="7015047" y="1029965"/>
+            <a:ext cx="945692" cy="461665"/>
+          </a:xfrm>
+          <a:prstGeom prst="rect">
+            <a:avLst/>
+          </a:prstGeom>
+          <a:noFill/>
+        </p:spPr>
+        <p:txBody>
+          <a:bodyPr wrap="none" rtlCol="0">
+            <a:spAutoFit/>
+          </a:bodyPr>
+          <a:lstStyle/>
+          <a:p>
+            <a:pPr algn="ctr"/>
+            <a:r>
+              <a:rPr kumimoji="1" lang="ja-JP" altLang="en-US" sz="1200"/>
+              <a:t>意味の近い</a:t>
+            </a:r>
+            <a:endParaRPr kumimoji="1" lang="en-US" altLang="ja-JP" sz="1200"/>
+          </a:p>
+          <a:p>
+            <a:pPr algn="ctr"/>
+            <a:r>
+              <a:rPr kumimoji="1" lang="ja-JP" altLang="en-US" sz="1200"/>
+              <a:t>言葉</a:t>
+            </a:r>
+            <a:endParaRPr kumimoji="1" lang="ja-JP" altLang="en-US" sz="1200"/>
+          </a:p>
+        </p:txBody>
+      </p:sp>
+      <p:sp>
+        <p:nvSpPr>
+          <p:cNvPr id="21" name="正方形/長方形 20"/>
+          <p:cNvSpPr/>
+          <p:nvPr/>
+        </p:nvSpPr>
+        <p:spPr>
+          <a:xfrm>
+            <a:off x="4932040" y="2067694"/>
+            <a:ext cx="1224136" cy="720080"/>
+          </a:xfrm>
+          <a:prstGeom prst="rect">
+            <a:avLst/>
+          </a:prstGeom>
+          <a:solidFill>
+            <a:schemeClr val="bg1"/>
+          </a:solidFill>
+        </p:spPr>
+        <p:style>
+          <a:lnRef idx="1">
+            <a:schemeClr val="accent1"/>
+          </a:lnRef>
+          <a:fillRef idx="3">
+            <a:schemeClr val="accent1"/>
+          </a:fillRef>
+          <a:effectRef idx="2">
+            <a:schemeClr val="accent1"/>
+          </a:effectRef>
+          <a:fontRef idx="minor">
+            <a:schemeClr val="lt1"/>
+          </a:fontRef>
+        </p:style>
+        <p:txBody>
+          <a:bodyPr rtlCol="0" anchor="ctr"/>
+          <a:lstStyle/>
+          <a:p>
+            <a:pPr algn="ctr"/>
+            <a:r>
+              <a:rPr lang="ja-JP" altLang="en-US" sz="1200">
+                <a:solidFill>
+                  <a:srgbClr val="000000"/>
+                </a:solidFill>
+              </a:rPr>
+              <a:t>テキスト意味</a:t>
+            </a:r>
+            <a:endParaRPr lang="en-US" altLang="ja-JP" sz="1200">
+              <a:solidFill>
+                <a:srgbClr val="000000"/>
+              </a:solidFill>
+            </a:endParaRPr>
+          </a:p>
+          <a:p>
+            <a:pPr algn="ctr"/>
+            <a:r>
+              <a:rPr lang="ja-JP" altLang="en-US" sz="1200">
+                <a:solidFill>
+                  <a:srgbClr val="000000"/>
+                </a:solidFill>
+              </a:rPr>
+              <a:t>モデル</a:t>
+            </a:r>
+            <a:endParaRPr kumimoji="1" lang="ja-JP" altLang="en-US" sz="1200">
+              <a:solidFill>
+                <a:srgbClr val="000000"/>
+              </a:solidFill>
+            </a:endParaRPr>
+          </a:p>
+        </p:txBody>
+      </p:sp>
+      <p:sp>
+        <p:nvSpPr>
+          <p:cNvPr id="22" name="正方形/長方形 21"/>
+          <p:cNvSpPr/>
+          <p:nvPr/>
+        </p:nvSpPr>
+        <p:spPr>
+          <a:xfrm>
+            <a:off x="3275856" y="2116618"/>
+            <a:ext cx="1202430" cy="671156"/>
+          </a:xfrm>
+          <a:prstGeom prst="rect">
+            <a:avLst/>
+          </a:prstGeom>
+          <a:solidFill>
+            <a:schemeClr val="bg1"/>
+          </a:solidFill>
+        </p:spPr>
+        <p:style>
+          <a:lnRef idx="1">
+            <a:schemeClr val="accent1"/>
+          </a:lnRef>
+          <a:fillRef idx="3">
+            <a:schemeClr val="accent1"/>
+          </a:fillRef>
+          <a:effectRef idx="2">
+            <a:schemeClr val="accent1"/>
+          </a:effectRef>
+          <a:fontRef idx="minor">
+            <a:schemeClr val="lt1"/>
+          </a:fontRef>
+        </p:style>
+        <p:txBody>
+          <a:bodyPr rtlCol="0" anchor="ctr"/>
+          <a:lstStyle/>
+          <a:p>
+            <a:pPr algn="ctr"/>
+            <a:r>
+              <a:rPr lang="ja-JP" altLang="en-US" sz="1200">
+                <a:solidFill>
+                  <a:srgbClr val="000000"/>
+                </a:solidFill>
+              </a:rPr>
+              <a:t>画像認識</a:t>
+            </a:r>
+            <a:endParaRPr lang="en-US" altLang="ja-JP" sz="1200">
+              <a:solidFill>
+                <a:srgbClr val="000000"/>
+              </a:solidFill>
+            </a:endParaRPr>
+          </a:p>
+          <a:p>
+            <a:pPr algn="ctr"/>
+            <a:r>
+              <a:rPr lang="ja-JP" altLang="en-US" sz="1200">
+                <a:solidFill>
+                  <a:srgbClr val="000000"/>
+                </a:solidFill>
+              </a:rPr>
+              <a:t>モデル</a:t>
+            </a:r>
+            <a:endParaRPr kumimoji="1" lang="ja-JP" altLang="en-US" sz="1200">
+              <a:solidFill>
+                <a:srgbClr val="000000"/>
+              </a:solidFill>
+            </a:endParaRPr>
+          </a:p>
+        </p:txBody>
+      </p:sp>
+      <p:sp>
+        <p:nvSpPr>
+          <p:cNvPr id="23" name="右矢印 22"/>
+          <p:cNvSpPr/>
+          <p:nvPr/>
+        </p:nvSpPr>
+        <p:spPr>
+          <a:xfrm>
+            <a:off x="2664452" y="2283718"/>
+            <a:ext cx="358710" cy="313872"/>
+          </a:xfrm>
+          <a:prstGeom prst="rightArrow">
+            <a:avLst/>
+          </a:prstGeom>
+          <a:noFill/>
+        </p:spPr>
+        <p:style>
+          <a:lnRef idx="1">
+            <a:schemeClr val="dk1"/>
+          </a:lnRef>
+          <a:fillRef idx="3">
+            <a:schemeClr val="dk1"/>
+          </a:fillRef>
+          <a:effectRef idx="2">
+            <a:schemeClr val="dk1"/>
+          </a:effectRef>
+          <a:fontRef idx="minor">
+            <a:schemeClr val="lt1"/>
+          </a:fontRef>
+        </p:style>
+        <p:txBody>
+          <a:bodyPr rtlCol="0" anchor="ctr"/>
+          <a:lstStyle/>
+          <a:p>
+            <a:pPr algn="ctr"/>
+            <a:endParaRPr kumimoji="1" lang="ja-JP" altLang="en-US"/>
+          </a:p>
+        </p:txBody>
+      </p:sp>
+      <p:sp>
+        <p:nvSpPr>
+          <p:cNvPr id="24" name="右矢印 23"/>
+          <p:cNvSpPr/>
+          <p:nvPr/>
+        </p:nvSpPr>
+        <p:spPr>
+          <a:xfrm rot="10800000">
+            <a:off x="6300192" y="2283718"/>
+            <a:ext cx="358710" cy="313872"/>
+          </a:xfrm>
+          <a:prstGeom prst="rightArrow">
+            <a:avLst/>
+          </a:prstGeom>
+          <a:noFill/>
+        </p:spPr>
+        <p:style>
+          <a:lnRef idx="1">
+            <a:schemeClr val="dk1"/>
+          </a:lnRef>
+          <a:fillRef idx="3">
+            <a:schemeClr val="dk1"/>
+          </a:fillRef>
+          <a:effectRef idx="2">
+            <a:schemeClr val="dk1"/>
+          </a:effectRef>
+          <a:fontRef idx="minor">
+            <a:schemeClr val="lt1"/>
+          </a:fontRef>
+        </p:style>
+        <p:txBody>
+          <a:bodyPr rtlCol="0" anchor="ctr"/>
+          <a:lstStyle/>
+          <a:p>
+            <a:pPr algn="ctr"/>
+            <a:endParaRPr kumimoji="1" lang="ja-JP" altLang="en-US"/>
+          </a:p>
+        </p:txBody>
+      </p:sp>
+      <p:cxnSp>
+        <p:nvCxnSpPr>
+          <p:cNvPr id="25" name="直線矢印コネクタ 24"/>
+          <p:cNvCxnSpPr/>
+          <p:nvPr/>
+        </p:nvCxnSpPr>
+        <p:spPr>
+          <a:xfrm flipV="1">
+            <a:off x="3851920" y="2931790"/>
+            <a:ext cx="0" cy="504056"/>
+          </a:xfrm>
+          <a:prstGeom prst="straightConnector1">
+            <a:avLst/>
+          </a:prstGeom>
+          <a:ln>
+            <a:solidFill>
+              <a:schemeClr val="tx1"/>
+            </a:solidFill>
+            <a:tailEnd type="arrow"/>
+          </a:ln>
+        </p:spPr>
+        <p:style>
+          <a:lnRef idx="2">
+            <a:schemeClr val="accent1"/>
+          </a:lnRef>
+          <a:fillRef idx="0">
+            <a:schemeClr val="accent1"/>
+          </a:fillRef>
+          <a:effectRef idx="1">
+            <a:schemeClr val="accent1"/>
+          </a:effectRef>
+          <a:fontRef idx="minor">
+            <a:schemeClr val="tx1"/>
+          </a:fontRef>
+        </p:style>
+      </p:cxnSp>
+      <p:cxnSp>
+        <p:nvCxnSpPr>
+          <p:cNvPr id="26" name="直線矢印コネクタ 25"/>
+          <p:cNvCxnSpPr/>
+          <p:nvPr/>
+        </p:nvCxnSpPr>
+        <p:spPr>
+          <a:xfrm flipV="1">
+            <a:off x="5508104" y="2931790"/>
+            <a:ext cx="0" cy="504056"/>
+          </a:xfrm>
+          <a:prstGeom prst="straightConnector1">
+            <a:avLst/>
+          </a:prstGeom>
+          <a:ln>
+            <a:solidFill>
+              <a:schemeClr val="tx1"/>
+            </a:solidFill>
+            <a:tailEnd type="arrow"/>
+          </a:ln>
+        </p:spPr>
+        <p:style>
+          <a:lnRef idx="2">
+            <a:schemeClr val="accent1"/>
+          </a:lnRef>
+          <a:fillRef idx="0">
+            <a:schemeClr val="accent1"/>
+          </a:fillRef>
+          <a:effectRef idx="1">
+            <a:schemeClr val="accent1"/>
+          </a:effectRef>
+          <a:fontRef idx="minor">
+            <a:schemeClr val="tx1"/>
+          </a:fontRef>
+        </p:style>
+      </p:cxnSp>
+      <p:pic>
+        <p:nvPicPr>
+          <p:cNvPr id="28" name="図 27" descr="imagenet_logo.jpg"/>
+          <p:cNvPicPr>
+            <a:picLocks noChangeAspect="1"/>
+          </p:cNvPicPr>
+          <p:nvPr/>
+        </p:nvPicPr>
+        <p:blipFill>
+          <a:blip r:embed="rId3">
+            <a:extLst>
+              <a:ext uri="{28A0092B-C50C-407E-A947-70E740481C1C}">
+                <a14:useLocalDpi xmlns:a14="http://schemas.microsoft.com/office/drawing/2010/main" val="0"/>
+              </a:ext>
+            </a:extLst>
+          </a:blip>
+          <a:stretch>
+            <a:fillRect/>
+          </a:stretch>
+        </p:blipFill>
+        <p:spPr>
+          <a:xfrm>
+            <a:off x="3203848" y="3639526"/>
+            <a:ext cx="1657514" cy="228368"/>
+          </a:xfrm>
+          <a:prstGeom prst="rect">
+            <a:avLst/>
+          </a:prstGeom>
+        </p:spPr>
+      </p:pic>
+      <p:sp>
+        <p:nvSpPr>
+          <p:cNvPr id="29" name="テキスト ボックス 28"/>
+          <p:cNvSpPr txBox="1"/>
+          <p:nvPr/>
+        </p:nvSpPr>
+        <p:spPr>
+          <a:xfrm>
+            <a:off x="1034984" y="4011910"/>
+            <a:ext cx="1242717" cy="276999"/>
+          </a:xfrm>
+          <a:prstGeom prst="rect">
+            <a:avLst/>
+          </a:prstGeom>
+          <a:noFill/>
+        </p:spPr>
+        <p:txBody>
+          <a:bodyPr wrap="square" rtlCol="0">
+            <a:spAutoFit/>
+          </a:bodyPr>
+          <a:lstStyle/>
+          <a:p>
+            <a:pPr algn="ctr"/>
+            <a:r>
+              <a:rPr lang="en-US" altLang="ja-JP" sz="1200"/>
+              <a:t>1000</a:t>
+            </a:r>
+            <a:r>
+              <a:rPr lang="ja-JP" altLang="en-US" sz="1200"/>
+              <a:t>カテゴリ</a:t>
+            </a:r>
+            <a:endParaRPr kumimoji="1" lang="ja-JP" altLang="en-US" sz="1200"/>
+          </a:p>
+        </p:txBody>
+      </p:sp>
+      <p:sp>
+        <p:nvSpPr>
+          <p:cNvPr id="30" name="テキスト ボックス 29"/>
+          <p:cNvSpPr txBox="1"/>
+          <p:nvPr/>
+        </p:nvSpPr>
+        <p:spPr>
+          <a:xfrm>
+            <a:off x="3275856" y="3939902"/>
+            <a:ext cx="1242717" cy="461665"/>
+          </a:xfrm>
+          <a:prstGeom prst="rect">
+            <a:avLst/>
+          </a:prstGeom>
+          <a:noFill/>
+        </p:spPr>
+        <p:txBody>
+          <a:bodyPr wrap="square" rtlCol="0">
+            <a:spAutoFit/>
+          </a:bodyPr>
+          <a:lstStyle/>
+          <a:p>
+            <a:pPr algn="ctr"/>
+            <a:r>
+              <a:rPr lang="en-US" altLang="ja-JP" sz="1200"/>
+              <a:t>20000</a:t>
+            </a:r>
+            <a:r>
+              <a:rPr lang="ja-JP" altLang="en-US" sz="1200"/>
+              <a:t>カテゴリ</a:t>
+            </a:r>
+            <a:endParaRPr lang="en-US" altLang="ja-JP" sz="1200"/>
+          </a:p>
+          <a:p>
+            <a:pPr algn="ctr"/>
+            <a:r>
+              <a:rPr kumimoji="1" lang="en-US" altLang="ja-JP" sz="1200"/>
+              <a:t>(</a:t>
+            </a:r>
+            <a:r>
+              <a:rPr kumimoji="1" lang="ja-JP" altLang="en-US" sz="1200"/>
+              <a:t>初見</a:t>
+            </a:r>
+            <a:r>
+              <a:rPr kumimoji="1" lang="en-US" altLang="ja-JP" sz="1200"/>
+              <a:t>)</a:t>
+            </a:r>
+            <a:endParaRPr kumimoji="1" lang="ja-JP" altLang="en-US" sz="1200"/>
+          </a:p>
+        </p:txBody>
+      </p:sp>
+      <p:sp>
+        <p:nvSpPr>
+          <p:cNvPr id="31" name="正方形/長方形 30"/>
+          <p:cNvSpPr/>
+          <p:nvPr/>
+        </p:nvSpPr>
+        <p:spPr>
+          <a:xfrm>
+            <a:off x="755576" y="957957"/>
+            <a:ext cx="1801530" cy="3455163"/>
+          </a:xfrm>
+          <a:prstGeom prst="rect">
+            <a:avLst/>
+          </a:prstGeom>
+          <a:noFill/>
+          <a:ln>
+            <a:solidFill>
+              <a:srgbClr val="000000"/>
+            </a:solidFill>
+            <a:prstDash val="dot"/>
+          </a:ln>
+        </p:spPr>
+        <p:style>
+          <a:lnRef idx="1">
+            <a:schemeClr val="accent1"/>
+          </a:lnRef>
+          <a:fillRef idx="3">
+            <a:schemeClr val="accent1"/>
+          </a:fillRef>
+          <a:effectRef idx="2">
+            <a:schemeClr val="accent1"/>
+          </a:effectRef>
+          <a:fontRef idx="minor">
+            <a:schemeClr val="lt1"/>
+          </a:fontRef>
+        </p:style>
+        <p:txBody>
+          <a:bodyPr rtlCol="0" anchor="ctr"/>
+          <a:lstStyle/>
+          <a:p>
+            <a:pPr algn="ctr"/>
+            <a:endParaRPr kumimoji="1" lang="ja-JP" altLang="en-US"/>
+          </a:p>
+        </p:txBody>
+      </p:sp>
+      <p:sp>
+        <p:nvSpPr>
+          <p:cNvPr id="32" name="正方形/長方形 31"/>
+          <p:cNvSpPr/>
+          <p:nvPr/>
+        </p:nvSpPr>
+        <p:spPr>
+          <a:xfrm>
+            <a:off x="6732240" y="957957"/>
+            <a:ext cx="1512168" cy="3455163"/>
+          </a:xfrm>
+          <a:prstGeom prst="rect">
+            <a:avLst/>
+          </a:prstGeom>
+          <a:noFill/>
+          <a:ln>
+            <a:solidFill>
+              <a:srgbClr val="000000"/>
+            </a:solidFill>
+            <a:prstDash val="dot"/>
+          </a:ln>
+        </p:spPr>
+        <p:style>
+          <a:lnRef idx="1">
+            <a:schemeClr val="accent1"/>
+          </a:lnRef>
+          <a:fillRef idx="3">
+            <a:schemeClr val="accent1"/>
+          </a:fillRef>
+          <a:effectRef idx="2">
+            <a:schemeClr val="accent1"/>
+          </a:effectRef>
+          <a:fontRef idx="minor">
+            <a:schemeClr val="lt1"/>
+          </a:fontRef>
+        </p:style>
+        <p:txBody>
+          <a:bodyPr rtlCol="0" anchor="ctr"/>
+          <a:lstStyle/>
+          <a:p>
+            <a:pPr algn="ctr"/>
+            <a:endParaRPr kumimoji="1" lang="ja-JP" altLang="en-US"/>
+          </a:p>
+        </p:txBody>
+      </p:sp>
+      <p:sp>
+        <p:nvSpPr>
+          <p:cNvPr id="33" name="テキスト ボックス 32"/>
+          <p:cNvSpPr txBox="1"/>
+          <p:nvPr/>
+        </p:nvSpPr>
+        <p:spPr>
+          <a:xfrm>
+            <a:off x="6476146" y="752966"/>
+            <a:ext cx="800219" cy="276999"/>
+          </a:xfrm>
+          <a:prstGeom prst="rect">
+            <a:avLst/>
+          </a:prstGeom>
+          <a:solidFill>
+            <a:srgbClr val="FFFFFF"/>
+          </a:solidFill>
+        </p:spPr>
+        <p:txBody>
+          <a:bodyPr wrap="none" rtlCol="0">
+            <a:spAutoFit/>
+          </a:bodyPr>
+          <a:lstStyle/>
+          <a:p>
+            <a:pPr algn="ctr"/>
+            <a:r>
+              <a:rPr kumimoji="1" lang="en-US" altLang="ja-JP" sz="1200"/>
+              <a:t>word2vec</a:t>
+            </a:r>
+            <a:endParaRPr kumimoji="1" lang="ja-JP" altLang="en-US" sz="1200"/>
+          </a:p>
+        </p:txBody>
+      </p:sp>
+      <p:sp>
+        <p:nvSpPr>
+          <p:cNvPr id="34" name="テキスト ボックス 33"/>
+          <p:cNvSpPr txBox="1"/>
+          <p:nvPr/>
+        </p:nvSpPr>
+        <p:spPr>
+          <a:xfrm>
+            <a:off x="467544" y="752966"/>
+            <a:ext cx="909624" cy="276999"/>
+          </a:xfrm>
+          <a:prstGeom prst="rect">
+            <a:avLst/>
+          </a:prstGeom>
+          <a:solidFill>
+            <a:srgbClr val="FFFFFF"/>
+          </a:solidFill>
+        </p:spPr>
+        <p:txBody>
+          <a:bodyPr wrap="none" rtlCol="0">
+            <a:spAutoFit/>
+          </a:bodyPr>
+          <a:lstStyle/>
+          <a:p>
+            <a:pPr algn="ctr"/>
+            <a:r>
+              <a:rPr kumimoji="1" lang="en-US" altLang="ja-JP" sz="1200"/>
+              <a:t>Supervision</a:t>
+            </a:r>
+            <a:endParaRPr kumimoji="1" lang="ja-JP" altLang="en-US" sz="1200"/>
+          </a:p>
+        </p:txBody>
+      </p:sp>
+      <p:sp>
+        <p:nvSpPr>
+          <p:cNvPr id="35" name="テキスト ボックス 34"/>
+          <p:cNvSpPr txBox="1"/>
+          <p:nvPr/>
+        </p:nvSpPr>
+        <p:spPr>
+          <a:xfrm>
+            <a:off x="4769443" y="3507854"/>
+            <a:ext cx="1530750" cy="461665"/>
+          </a:xfrm>
+          <a:prstGeom prst="rect">
+            <a:avLst/>
+          </a:prstGeom>
+          <a:noFill/>
+        </p:spPr>
+        <p:txBody>
+          <a:bodyPr wrap="square" rtlCol="0">
+            <a:spAutoFit/>
+          </a:bodyPr>
+          <a:lstStyle/>
+          <a:p>
+            <a:pPr algn="ctr"/>
+            <a:r>
+              <a:rPr lang="en-US" altLang="ja-JP" sz="1200"/>
+              <a:t>ImageNet</a:t>
+            </a:r>
+            <a:r>
+              <a:rPr lang="ja-JP" altLang="en-US" sz="1200"/>
+              <a:t>の</a:t>
+            </a:r>
+            <a:endParaRPr lang="en-US" altLang="ja-JP" sz="1200"/>
+          </a:p>
+          <a:p>
+            <a:pPr algn="ctr"/>
+            <a:r>
+              <a:rPr kumimoji="1" lang="ja-JP" altLang="en-US" sz="1200"/>
+              <a:t>教師ラベル</a:t>
+            </a:r>
+            <a:r>
+              <a:rPr kumimoji="1" lang="en-US" altLang="ja-JP" sz="1200"/>
+              <a:t>(</a:t>
+            </a:r>
+            <a:r>
+              <a:rPr kumimoji="1" lang="ja-JP" altLang="en-US" sz="1200"/>
+              <a:t>初見</a:t>
+            </a:r>
+            <a:r>
+              <a:rPr kumimoji="1" lang="en-US" altLang="ja-JP" sz="1200"/>
+              <a:t>)</a:t>
+            </a:r>
+            <a:endParaRPr kumimoji="1" lang="ja-JP" altLang="en-US" sz="1200"/>
+          </a:p>
+        </p:txBody>
+      </p:sp>
+      <p:cxnSp>
+        <p:nvCxnSpPr>
+          <p:cNvPr id="36" name="直線矢印コネクタ 35"/>
+          <p:cNvCxnSpPr/>
+          <p:nvPr/>
+        </p:nvCxnSpPr>
+        <p:spPr>
+          <a:xfrm flipH="1" flipV="1">
+            <a:off x="5148064" y="1541292"/>
+            <a:ext cx="360040" cy="445792"/>
+          </a:xfrm>
+          <a:prstGeom prst="straightConnector1">
+            <a:avLst/>
+          </a:prstGeom>
+          <a:ln>
+            <a:solidFill>
+              <a:schemeClr val="tx1"/>
+            </a:solidFill>
+            <a:tailEnd type="arrow"/>
+          </a:ln>
+        </p:spPr>
+        <p:style>
+          <a:lnRef idx="2">
+            <a:schemeClr val="accent1"/>
+          </a:lnRef>
+          <a:fillRef idx="0">
+            <a:schemeClr val="accent1"/>
+          </a:fillRef>
+          <a:effectRef idx="1">
+            <a:schemeClr val="accent1"/>
+          </a:effectRef>
+          <a:fontRef idx="minor">
+            <a:schemeClr val="tx1"/>
+          </a:fontRef>
+        </p:style>
+      </p:cxnSp>
+      <p:cxnSp>
+        <p:nvCxnSpPr>
+          <p:cNvPr id="38" name="直線矢印コネクタ 37"/>
+          <p:cNvCxnSpPr/>
+          <p:nvPr/>
+        </p:nvCxnSpPr>
+        <p:spPr>
+          <a:xfrm flipV="1">
+            <a:off x="3851920" y="1563638"/>
+            <a:ext cx="504056" cy="481710"/>
+          </a:xfrm>
+          <a:prstGeom prst="straightConnector1">
+            <a:avLst/>
+          </a:prstGeom>
+          <a:ln>
+            <a:solidFill>
+              <a:schemeClr val="tx1"/>
+            </a:solidFill>
+            <a:tailEnd type="arrow"/>
+          </a:ln>
+        </p:spPr>
+        <p:style>
+          <a:lnRef idx="2">
+            <a:schemeClr val="accent1"/>
+          </a:lnRef>
+          <a:fillRef idx="0">
+            <a:schemeClr val="accent1"/>
+          </a:fillRef>
+          <a:effectRef idx="1">
+            <a:schemeClr val="accent1"/>
+          </a:effectRef>
+          <a:fontRef idx="minor">
+            <a:schemeClr val="tx1"/>
+          </a:fontRef>
+        </p:style>
+      </p:cxnSp>
+      <p:sp>
+        <p:nvSpPr>
+          <p:cNvPr id="41" name="テキスト ボックス 40"/>
+          <p:cNvSpPr txBox="1"/>
+          <p:nvPr/>
+        </p:nvSpPr>
+        <p:spPr>
+          <a:xfrm>
+            <a:off x="3149055" y="1646679"/>
+            <a:ext cx="893544" cy="276999"/>
+          </a:xfrm>
+          <a:prstGeom prst="rect">
+            <a:avLst/>
+          </a:prstGeom>
+          <a:noFill/>
+        </p:spPr>
+        <p:txBody>
+          <a:bodyPr wrap="none" rtlCol="0">
+            <a:spAutoFit/>
+          </a:bodyPr>
+          <a:lstStyle/>
+          <a:p>
+            <a:pPr algn="ctr"/>
+            <a:r>
+              <a:rPr kumimoji="1" lang="en-US" altLang="ja-JP" sz="1200"/>
+              <a:t>(</a:t>
+            </a:r>
+            <a:r>
+              <a:rPr kumimoji="1" lang="ja-JP" altLang="en-US" sz="1200"/>
+              <a:t>線形変換</a:t>
+            </a:r>
+            <a:r>
+              <a:rPr kumimoji="1" lang="en-US" altLang="ja-JP" sz="1200"/>
+              <a:t>)</a:t>
+            </a:r>
+            <a:endParaRPr kumimoji="1" lang="ja-JP" altLang="en-US" sz="1200"/>
+          </a:p>
+        </p:txBody>
+      </p:sp>
+      <p:sp>
+        <p:nvSpPr>
+          <p:cNvPr id="42" name="テキスト ボックス 41"/>
+          <p:cNvSpPr txBox="1"/>
+          <p:nvPr/>
+        </p:nvSpPr>
+        <p:spPr>
+          <a:xfrm>
+            <a:off x="3707904" y="1131590"/>
+            <a:ext cx="1957387" cy="276999"/>
+          </a:xfrm>
+          <a:prstGeom prst="rect">
+            <a:avLst/>
+          </a:prstGeom>
+          <a:noFill/>
+        </p:spPr>
+        <p:txBody>
+          <a:bodyPr wrap="none" rtlCol="0">
+            <a:spAutoFit/>
+          </a:bodyPr>
+          <a:lstStyle/>
+          <a:p>
+            <a:pPr algn="ctr"/>
+            <a:r>
+              <a:rPr kumimoji="1" lang="ja-JP" altLang="en-US" sz="1200"/>
+              <a:t>画像とラベルの近似度算出</a:t>
+            </a:r>
+            <a:endParaRPr kumimoji="1" lang="ja-JP" altLang="en-US" sz="1200"/>
+          </a:p>
+        </p:txBody>
+      </p:sp>
+      <p:sp>
+        <p:nvSpPr>
+          <p:cNvPr id="43" name="正方形/長方形 42"/>
+          <p:cNvSpPr/>
+          <p:nvPr/>
+        </p:nvSpPr>
+        <p:spPr>
+          <a:xfrm>
+            <a:off x="3149055" y="957957"/>
+            <a:ext cx="3062460" cy="3455163"/>
+          </a:xfrm>
+          <a:prstGeom prst="rect">
+            <a:avLst/>
+          </a:prstGeom>
+          <a:noFill/>
+          <a:ln>
+            <a:solidFill>
+              <a:srgbClr val="000000"/>
+            </a:solidFill>
+            <a:prstDash val="dot"/>
+          </a:ln>
+        </p:spPr>
+        <p:style>
+          <a:lnRef idx="1">
+            <a:schemeClr val="accent1"/>
+          </a:lnRef>
+          <a:fillRef idx="3">
+            <a:schemeClr val="accent1"/>
+          </a:fillRef>
+          <a:effectRef idx="2">
+            <a:schemeClr val="accent1"/>
+          </a:effectRef>
+          <a:fontRef idx="minor">
+            <a:schemeClr val="lt1"/>
+          </a:fontRef>
+        </p:style>
+        <p:txBody>
+          <a:bodyPr rtlCol="0" anchor="ctr"/>
+          <a:lstStyle/>
+          <a:p>
+            <a:pPr algn="ctr"/>
+            <a:endParaRPr kumimoji="1" lang="ja-JP" altLang="en-US"/>
+          </a:p>
+        </p:txBody>
+      </p:sp>
+      <p:sp>
+        <p:nvSpPr>
+          <p:cNvPr id="44" name="テキスト ボックス 43"/>
+          <p:cNvSpPr txBox="1"/>
+          <p:nvPr/>
+        </p:nvSpPr>
+        <p:spPr>
+          <a:xfrm>
+            <a:off x="2987824" y="771550"/>
+            <a:ext cx="684741" cy="276999"/>
+          </a:xfrm>
+          <a:prstGeom prst="rect">
+            <a:avLst/>
+          </a:prstGeom>
+          <a:solidFill>
+            <a:srgbClr val="FFFFFF"/>
+          </a:solidFill>
+        </p:spPr>
+        <p:txBody>
+          <a:bodyPr wrap="square" rtlCol="0">
+            <a:spAutoFit/>
+          </a:bodyPr>
+          <a:lstStyle/>
+          <a:p>
+            <a:pPr algn="ctr"/>
+            <a:r>
+              <a:rPr kumimoji="1" lang="en-US" altLang="ja-JP" sz="1200"/>
+              <a:t>DeViSE</a:t>
+            </a:r>
+            <a:endParaRPr kumimoji="1" lang="ja-JP" altLang="en-US" sz="1200"/>
+          </a:p>
+        </p:txBody>
+      </p:sp>
+    </p:spTree>
+    <p:extLst>
+      <p:ext uri="{BB962C8B-B14F-4D97-AF65-F5344CB8AC3E}">
+        <p14:creationId xmlns:p14="http://schemas.microsoft.com/office/powerpoint/2010/main" val="2130497054"/>
       </p:ext>
     </p:extLst>
   </p:cSld>
@@ -12622,7 +13495,7 @@
 <file path=ppt/theme/theme1.xml><?xml version="1.0" encoding="utf-8"?>
 <a:theme xmlns:a="http://schemas.openxmlformats.org/drawingml/2006/main" name="ホワイト">
   <a:themeElements>
-    <a:clrScheme name="Office">
+    <a:clrScheme name="グレースケール">
       <a:dk1>
         <a:sysClr val="windowText" lastClr="000000"/>
       </a:dk1>
@@ -12630,34 +13503,34 @@
         <a:sysClr val="window" lastClr="FFFFFF"/>
       </a:lt1>
       <a:dk2>
-        <a:srgbClr val="1F497D"/>
+        <a:srgbClr val="000000"/>
       </a:dk2>
       <a:lt2>
-        <a:srgbClr val="EEECE1"/>
+        <a:srgbClr val="F8F8F8"/>
       </a:lt2>
       <a:accent1>
-        <a:srgbClr val="4F81BD"/>
+        <a:srgbClr val="DDDDDD"/>
       </a:accent1>
       <a:accent2>
-        <a:srgbClr val="C0504D"/>
+        <a:srgbClr val="B2B2B2"/>
       </a:accent2>
       <a:accent3>
-        <a:srgbClr val="9BBB59"/>
+        <a:srgbClr val="969696"/>
       </a:accent3>
       <a:accent4>
-        <a:srgbClr val="8064A2"/>
+        <a:srgbClr val="808080"/>
       </a:accent4>
       <a:accent5>
-        <a:srgbClr val="4BACC6"/>
+        <a:srgbClr val="5F5F5F"/>
       </a:accent5>
       <a:accent6>
-        <a:srgbClr val="F79646"/>
+        <a:srgbClr val="4D4D4D"/>
       </a:accent6>
       <a:hlink>
-        <a:srgbClr val="0000FF"/>
+        <a:srgbClr val="5F5F5F"/>
       </a:hlink>
       <a:folHlink>
-        <a:srgbClr val="800080"/>
+        <a:srgbClr val="919191"/>
       </a:folHlink>
     </a:clrScheme>
     <a:fontScheme name="Office">

--- a/doc/sotsuron_figure.pptx
+++ b/doc/sotsuron_figure.pptx
@@ -19,6 +19,7 @@
     <p:sldId id="268" r:id="rId13"/>
     <p:sldId id="269" r:id="rId14"/>
     <p:sldId id="270" r:id="rId15"/>
+    <p:sldId id="271" r:id="rId16"/>
   </p:sldIdLst>
   <p:sldSz cx="9144000" cy="5143500" type="screen16x9"/>
   <p:notesSz cx="6858000" cy="9144000"/>
@@ -2544,18 +2545,18 @@
     </dgm:pt>
   </dgm:ptLst>
   <dgm:cxnLst>
+    <dgm:cxn modelId="{533B9FBA-28B9-4A4F-A914-9F32B9E6EFBC}" srcId="{5FEE9AD0-8EC5-114B-9F83-37D51F1D33C7}" destId="{82DC6802-807C-B841-95E7-9103A1CC9562}" srcOrd="0" destOrd="0" parTransId="{61F8AB96-B8B5-9B44-BEE0-78A20EE8E63C}" sibTransId="{A63A0F5E-5B36-294F-8F0D-5CBFD983F4FC}"/>
+    <dgm:cxn modelId="{0A47F138-FD29-134E-85A5-26692D74D175}" type="presOf" srcId="{7945668B-B058-DB49-9304-F587B98278AA}" destId="{92883D7B-74DC-D246-8768-33969ED71DC8}" srcOrd="1" destOrd="0" presId="urn:microsoft.com/office/officeart/2005/8/layout/orgChart1"/>
+    <dgm:cxn modelId="{D7A9CD32-ED21-C542-9984-D055682A8ACC}" type="presOf" srcId="{10C8922F-1362-B04E-936E-0D0695D016FF}" destId="{AEE54575-B308-3C42-8665-CE6811E6319C}" srcOrd="0" destOrd="0" presId="urn:microsoft.com/office/officeart/2005/8/layout/orgChart1"/>
     <dgm:cxn modelId="{98FFBC0E-07F3-1E47-9BDC-9BB9701175BD}" type="presOf" srcId="{7945668B-B058-DB49-9304-F587B98278AA}" destId="{F8699393-3A25-694C-8DE5-7A54414A8A88}" srcOrd="0" destOrd="0" presId="urn:microsoft.com/office/officeart/2005/8/layout/orgChart1"/>
-    <dgm:cxn modelId="{672B6EBB-F51A-D746-A572-4871C2227F71}" type="presOf" srcId="{82DC6802-807C-B841-95E7-9103A1CC9562}" destId="{1148A3A0-61BC-2A44-9554-761AB31FBEEF}" srcOrd="1" destOrd="0" presId="urn:microsoft.com/office/officeart/2005/8/layout/orgChart1"/>
     <dgm:cxn modelId="{291EC639-45F4-304E-8FDC-B3B0E31E6E59}" type="presOf" srcId="{592C4DFE-DD40-6D41-92A0-AC05C31727FA}" destId="{502A42DD-3DFA-A842-B9A7-53D59E805AB2}" srcOrd="0" destOrd="0" presId="urn:microsoft.com/office/officeart/2005/8/layout/orgChart1"/>
-    <dgm:cxn modelId="{D7A9CD32-ED21-C542-9984-D055682A8ACC}" type="presOf" srcId="{10C8922F-1362-B04E-936E-0D0695D016FF}" destId="{AEE54575-B308-3C42-8665-CE6811E6319C}" srcOrd="0" destOrd="0" presId="urn:microsoft.com/office/officeart/2005/8/layout/orgChart1"/>
-    <dgm:cxn modelId="{28A6293D-764E-4A48-A49F-9E8155EFC486}" type="presOf" srcId="{5FEE9AD0-8EC5-114B-9F83-37D51F1D33C7}" destId="{1B39C697-D1C9-5F49-8E18-AD0146E451C1}" srcOrd="0" destOrd="0" presId="urn:microsoft.com/office/officeart/2005/8/layout/orgChart1"/>
-    <dgm:cxn modelId="{D81F3EA2-BEDE-834C-9DB3-F414F3456C39}" type="presOf" srcId="{52959CAB-6101-D04C-9580-8F8801872AD0}" destId="{20314882-457D-1541-B813-E5064EDBA8CF}" srcOrd="0" destOrd="0" presId="urn:microsoft.com/office/officeart/2005/8/layout/orgChart1"/>
     <dgm:cxn modelId="{2019647D-F1D2-4448-B6AC-1BC45A69EAB5}" type="presOf" srcId="{592C4DFE-DD40-6D41-92A0-AC05C31727FA}" destId="{B109B4A7-B0F0-BF4D-BCCE-886AFB40A852}" srcOrd="1" destOrd="0" presId="urn:microsoft.com/office/officeart/2005/8/layout/orgChart1"/>
     <dgm:cxn modelId="{FD388C5A-8613-F143-80CB-468AC3D3367B}" type="presOf" srcId="{82DC6802-807C-B841-95E7-9103A1CC9562}" destId="{29C4D0B1-424F-BE4B-9A6E-FA7D4351CE71}" srcOrd="0" destOrd="0" presId="urn:microsoft.com/office/officeart/2005/8/layout/orgChart1"/>
-    <dgm:cxn modelId="{0A47F138-FD29-134E-85A5-26692D74D175}" type="presOf" srcId="{7945668B-B058-DB49-9304-F587B98278AA}" destId="{92883D7B-74DC-D246-8768-33969ED71DC8}" srcOrd="1" destOrd="0" presId="urn:microsoft.com/office/officeart/2005/8/layout/orgChart1"/>
     <dgm:cxn modelId="{97F9144A-2C6C-B847-BC0D-7722C23DBE26}" srcId="{82DC6802-807C-B841-95E7-9103A1CC9562}" destId="{7945668B-B058-DB49-9304-F587B98278AA}" srcOrd="0" destOrd="0" parTransId="{10C8922F-1362-B04E-936E-0D0695D016FF}" sibTransId="{12A883A9-E1FB-BF4A-BCD9-29EC42E0729B}"/>
-    <dgm:cxn modelId="{533B9FBA-28B9-4A4F-A914-9F32B9E6EFBC}" srcId="{5FEE9AD0-8EC5-114B-9F83-37D51F1D33C7}" destId="{82DC6802-807C-B841-95E7-9103A1CC9562}" srcOrd="0" destOrd="0" parTransId="{61F8AB96-B8B5-9B44-BEE0-78A20EE8E63C}" sibTransId="{A63A0F5E-5B36-294F-8F0D-5CBFD983F4FC}"/>
+    <dgm:cxn modelId="{28A6293D-764E-4A48-A49F-9E8155EFC486}" type="presOf" srcId="{5FEE9AD0-8EC5-114B-9F83-37D51F1D33C7}" destId="{1B39C697-D1C9-5F49-8E18-AD0146E451C1}" srcOrd="0" destOrd="0" presId="urn:microsoft.com/office/officeart/2005/8/layout/orgChart1"/>
     <dgm:cxn modelId="{930DA5CE-A78A-7C4C-86B9-E543C7BADF3B}" srcId="{82DC6802-807C-B841-95E7-9103A1CC9562}" destId="{592C4DFE-DD40-6D41-92A0-AC05C31727FA}" srcOrd="1" destOrd="0" parTransId="{52959CAB-6101-D04C-9580-8F8801872AD0}" sibTransId="{ED8FD220-A1D9-6A41-8288-B6376826290F}"/>
+    <dgm:cxn modelId="{672B6EBB-F51A-D746-A572-4871C2227F71}" type="presOf" srcId="{82DC6802-807C-B841-95E7-9103A1CC9562}" destId="{1148A3A0-61BC-2A44-9554-761AB31FBEEF}" srcOrd="1" destOrd="0" presId="urn:microsoft.com/office/officeart/2005/8/layout/orgChart1"/>
+    <dgm:cxn modelId="{D81F3EA2-BEDE-834C-9DB3-F414F3456C39}" type="presOf" srcId="{52959CAB-6101-D04C-9580-8F8801872AD0}" destId="{20314882-457D-1541-B813-E5064EDBA8CF}" srcOrd="0" destOrd="0" presId="urn:microsoft.com/office/officeart/2005/8/layout/orgChart1"/>
     <dgm:cxn modelId="{00F7E94C-02D4-6E44-A1DE-DFCFEB0EBAD2}" type="presParOf" srcId="{1B39C697-D1C9-5F49-8E18-AD0146E451C1}" destId="{D228326A-3066-8943-ACF0-313E5EC86CAE}" srcOrd="0" destOrd="0" presId="urn:microsoft.com/office/officeart/2005/8/layout/orgChart1"/>
     <dgm:cxn modelId="{4B018F6C-F197-B044-81E9-0210E38A8EF2}" type="presParOf" srcId="{D228326A-3066-8943-ACF0-313E5EC86CAE}" destId="{EDF28F79-9AD3-5C4C-9E7D-5D41C3104270}" srcOrd="0" destOrd="0" presId="urn:microsoft.com/office/officeart/2005/8/layout/orgChart1"/>
     <dgm:cxn modelId="{71758DCC-2296-0246-B426-BBD52142A36A}" type="presParOf" srcId="{EDF28F79-9AD3-5C4C-9E7D-5D41C3104270}" destId="{29C4D0B1-424F-BE4B-9A6E-FA7D4351CE71}" srcOrd="0" destOrd="0" presId="urn:microsoft.com/office/officeart/2005/8/layout/orgChart1"/>
@@ -2595,601 +2596,6 @@
       <dsp:cNvGrpSpPr/>
     </dsp:nvGrpSpPr>
     <dsp:grpSpPr/>
-    <dsp:sp modelId="{2E1AA023-AEE6-6442-91C1-BF85967DF726}">
-      <dsp:nvSpPr>
-        <dsp:cNvPr id="0" name=""/>
-        <dsp:cNvSpPr/>
-      </dsp:nvSpPr>
-      <dsp:spPr>
-        <a:xfrm>
-          <a:off x="3102750" y="1328499"/>
-          <a:ext cx="2195218" cy="380988"/>
-        </a:xfrm>
-        <a:custGeom>
-          <a:avLst/>
-          <a:gdLst/>
-          <a:ahLst/>
-          <a:cxnLst/>
-          <a:rect l="0" t="0" r="0" b="0"/>
-          <a:pathLst>
-            <a:path>
-              <a:moveTo>
-                <a:pt x="0" y="0"/>
-              </a:moveTo>
-              <a:lnTo>
-                <a:pt x="0" y="190494"/>
-              </a:lnTo>
-              <a:lnTo>
-                <a:pt x="2195218" y="190494"/>
-              </a:lnTo>
-              <a:lnTo>
-                <a:pt x="2195218" y="380988"/>
-              </a:lnTo>
-            </a:path>
-          </a:pathLst>
-        </a:custGeom>
-        <a:noFill/>
-        <a:ln w="9525" cap="flat" cmpd="sng" algn="ctr">
-          <a:solidFill>
-            <a:schemeClr val="dk1">
-              <a:shade val="60000"/>
-              <a:hueOff val="0"/>
-              <a:satOff val="0"/>
-              <a:lumOff val="0"/>
-              <a:alphaOff val="0"/>
-            </a:schemeClr>
-          </a:solidFill>
-          <a:prstDash val="solid"/>
-        </a:ln>
-        <a:effectLst/>
-      </dsp:spPr>
-      <dsp:style>
-        <a:lnRef idx="1">
-          <a:scrgbClr r="0" g="0" b="0"/>
-        </a:lnRef>
-        <a:fillRef idx="0">
-          <a:scrgbClr r="0" g="0" b="0"/>
-        </a:fillRef>
-        <a:effectRef idx="0">
-          <a:scrgbClr r="0" g="0" b="0"/>
-        </a:effectRef>
-        <a:fontRef idx="minor"/>
-      </dsp:style>
-    </dsp:sp>
-    <dsp:sp modelId="{20314882-457D-1541-B813-E5064EDBA8CF}">
-      <dsp:nvSpPr>
-        <dsp:cNvPr id="0" name=""/>
-        <dsp:cNvSpPr/>
-      </dsp:nvSpPr>
-      <dsp:spPr>
-        <a:xfrm>
-          <a:off x="3057030" y="1328499"/>
-          <a:ext cx="91440" cy="380988"/>
-        </a:xfrm>
-        <a:custGeom>
-          <a:avLst/>
-          <a:gdLst/>
-          <a:ahLst/>
-          <a:cxnLst/>
-          <a:rect l="0" t="0" r="0" b="0"/>
-          <a:pathLst>
-            <a:path>
-              <a:moveTo>
-                <a:pt x="45720" y="0"/>
-              </a:moveTo>
-              <a:lnTo>
-                <a:pt x="45720" y="380988"/>
-              </a:lnTo>
-            </a:path>
-          </a:pathLst>
-        </a:custGeom>
-        <a:noFill/>
-        <a:ln w="9525" cap="flat" cmpd="sng" algn="ctr">
-          <a:solidFill>
-            <a:schemeClr val="dk1">
-              <a:shade val="60000"/>
-              <a:hueOff val="0"/>
-              <a:satOff val="0"/>
-              <a:lumOff val="0"/>
-              <a:alphaOff val="0"/>
-            </a:schemeClr>
-          </a:solidFill>
-          <a:prstDash val="solid"/>
-        </a:ln>
-        <a:effectLst/>
-      </dsp:spPr>
-      <dsp:style>
-        <a:lnRef idx="1">
-          <a:scrgbClr r="0" g="0" b="0"/>
-        </a:lnRef>
-        <a:fillRef idx="0">
-          <a:scrgbClr r="0" g="0" b="0"/>
-        </a:fillRef>
-        <a:effectRef idx="0">
-          <a:scrgbClr r="0" g="0" b="0"/>
-        </a:effectRef>
-        <a:fontRef idx="minor"/>
-      </dsp:style>
-    </dsp:sp>
-    <dsp:sp modelId="{AEE54575-B308-3C42-8665-CE6811E6319C}">
-      <dsp:nvSpPr>
-        <dsp:cNvPr id="0" name=""/>
-        <dsp:cNvSpPr/>
-      </dsp:nvSpPr>
-      <dsp:spPr>
-        <a:xfrm>
-          <a:off x="907531" y="1328499"/>
-          <a:ext cx="2195218" cy="380988"/>
-        </a:xfrm>
-        <a:custGeom>
-          <a:avLst/>
-          <a:gdLst/>
-          <a:ahLst/>
-          <a:cxnLst/>
-          <a:rect l="0" t="0" r="0" b="0"/>
-          <a:pathLst>
-            <a:path>
-              <a:moveTo>
-                <a:pt x="2195218" y="0"/>
-              </a:moveTo>
-              <a:lnTo>
-                <a:pt x="2195218" y="190494"/>
-              </a:lnTo>
-              <a:lnTo>
-                <a:pt x="0" y="190494"/>
-              </a:lnTo>
-              <a:lnTo>
-                <a:pt x="0" y="380988"/>
-              </a:lnTo>
-            </a:path>
-          </a:pathLst>
-        </a:custGeom>
-        <a:noFill/>
-        <a:ln w="9525" cap="flat" cmpd="sng" algn="ctr">
-          <a:solidFill>
-            <a:schemeClr val="dk1">
-              <a:shade val="60000"/>
-              <a:hueOff val="0"/>
-              <a:satOff val="0"/>
-              <a:lumOff val="0"/>
-              <a:alphaOff val="0"/>
-            </a:schemeClr>
-          </a:solidFill>
-          <a:prstDash val="solid"/>
-        </a:ln>
-        <a:effectLst/>
-      </dsp:spPr>
-      <dsp:style>
-        <a:lnRef idx="1">
-          <a:scrgbClr r="0" g="0" b="0"/>
-        </a:lnRef>
-        <a:fillRef idx="0">
-          <a:scrgbClr r="0" g="0" b="0"/>
-        </a:fillRef>
-        <a:effectRef idx="0">
-          <a:scrgbClr r="0" g="0" b="0"/>
-        </a:effectRef>
-        <a:fontRef idx="minor"/>
-      </dsp:style>
-    </dsp:sp>
-    <dsp:sp modelId="{29C4D0B1-424F-BE4B-9A6E-FA7D4351CE71}">
-      <dsp:nvSpPr>
-        <dsp:cNvPr id="0" name=""/>
-        <dsp:cNvSpPr/>
-      </dsp:nvSpPr>
-      <dsp:spPr>
-        <a:xfrm>
-          <a:off x="2136582" y="320767"/>
-          <a:ext cx="1932336" cy="1007732"/>
-        </a:xfrm>
-        <a:prstGeom prst="rect">
-          <a:avLst/>
-        </a:prstGeom>
-        <a:gradFill rotWithShape="0">
-          <a:gsLst>
-            <a:gs pos="0">
-              <a:schemeClr val="lt1">
-                <a:hueOff val="0"/>
-                <a:satOff val="0"/>
-                <a:lumOff val="0"/>
-                <a:alphaOff val="0"/>
-                <a:tint val="100000"/>
-                <a:shade val="100000"/>
-                <a:satMod val="130000"/>
-              </a:schemeClr>
-            </a:gs>
-            <a:gs pos="100000">
-              <a:schemeClr val="lt1">
-                <a:hueOff val="0"/>
-                <a:satOff val="0"/>
-                <a:lumOff val="0"/>
-                <a:alphaOff val="0"/>
-                <a:tint val="50000"/>
-                <a:shade val="100000"/>
-                <a:satMod val="350000"/>
-              </a:schemeClr>
-            </a:gs>
-          </a:gsLst>
-          <a:lin ang="16200000" scaled="0"/>
-        </a:gradFill>
-        <a:ln>
-          <a:noFill/>
-        </a:ln>
-        <a:effectLst>
-          <a:outerShdw blurRad="40000" dist="23000" dir="5400000" rotWithShape="0">
-            <a:srgbClr val="000000">
-              <a:alpha val="35000"/>
-            </a:srgbClr>
-          </a:outerShdw>
-        </a:effectLst>
-      </dsp:spPr>
-      <dsp:style>
-        <a:lnRef idx="0">
-          <a:scrgbClr r="0" g="0" b="0"/>
-        </a:lnRef>
-        <a:fillRef idx="3">
-          <a:scrgbClr r="0" g="0" b="0"/>
-        </a:fillRef>
-        <a:effectRef idx="2">
-          <a:scrgbClr r="0" g="0" b="0"/>
-        </a:effectRef>
-        <a:fontRef idx="minor">
-          <a:schemeClr val="lt1"/>
-        </a:fontRef>
-      </dsp:style>
-      <dsp:txBody>
-        <a:bodyPr spcFirstLastPara="0" vert="horz" wrap="square" lIns="8255" tIns="8255" rIns="8255" bIns="8255" numCol="1" spcCol="1270" anchor="ctr" anchorCtr="0">
-          <a:noAutofit/>
-        </a:bodyPr>
-        <a:lstStyle/>
-        <a:p>
-          <a:pPr lvl="0" algn="ctr" defTabSz="577850">
-            <a:lnSpc>
-              <a:spcPct val="90000"/>
-            </a:lnSpc>
-            <a:spcBef>
-              <a:spcPct val="0"/>
-            </a:spcBef>
-            <a:spcAft>
-              <a:spcPct val="35000"/>
-            </a:spcAft>
-          </a:pPr>
-          <a:r>
-            <a:rPr lang="ja-JP" altLang="en-US" sz="1300" kern="1200">
-              <a:solidFill>
-                <a:srgbClr val="000000"/>
-              </a:solidFill>
-            </a:rPr>
-            <a:t>何故ゼロから書くのでなく、</a:t>
-          </a:r>
-        </a:p>
-        <a:p>
-          <a:pPr lvl="0" algn="ctr" defTabSz="577850">
-            <a:lnSpc>
-              <a:spcPct val="90000"/>
-            </a:lnSpc>
-            <a:spcBef>
-              <a:spcPct val="0"/>
-            </a:spcBef>
-            <a:spcAft>
-              <a:spcPct val="35000"/>
-            </a:spcAft>
-          </a:pPr>
-          <a:r>
-            <a:rPr lang="ja-JP" altLang="en-US" sz="1300" kern="1200">
-              <a:solidFill>
-                <a:srgbClr val="000000"/>
-              </a:solidFill>
-            </a:rPr>
-            <a:t>既存のソースコードをベースに改造するのか</a:t>
-          </a:r>
-          <a:r>
-            <a:rPr lang="en-US" altLang="ja-JP" sz="1300" kern="1200">
-              <a:solidFill>
-                <a:srgbClr val="000000"/>
-              </a:solidFill>
-            </a:rPr>
-            <a:t>?</a:t>
-          </a:r>
-          <a:endParaRPr kumimoji="1" lang="ja-JP" altLang="en-US" sz="1300" kern="1200"/>
-        </a:p>
-      </dsp:txBody>
-      <dsp:txXfrm>
-        <a:off x="2136582" y="320767"/>
-        <a:ext cx="1932336" cy="1007732"/>
-      </dsp:txXfrm>
-    </dsp:sp>
-    <dsp:sp modelId="{F8699393-3A25-694C-8DE5-7A54414A8A88}">
-      <dsp:nvSpPr>
-        <dsp:cNvPr id="0" name=""/>
-        <dsp:cNvSpPr/>
-      </dsp:nvSpPr>
-      <dsp:spPr>
-        <a:xfrm>
-          <a:off x="416" y="1709488"/>
-          <a:ext cx="1814230" cy="907115"/>
-        </a:xfrm>
-        <a:prstGeom prst="rect">
-          <a:avLst/>
-        </a:prstGeom>
-        <a:gradFill rotWithShape="0">
-          <a:gsLst>
-            <a:gs pos="0">
-              <a:schemeClr val="lt1">
-                <a:hueOff val="0"/>
-                <a:satOff val="0"/>
-                <a:lumOff val="0"/>
-                <a:alphaOff val="0"/>
-                <a:tint val="100000"/>
-                <a:shade val="100000"/>
-                <a:satMod val="130000"/>
-              </a:schemeClr>
-            </a:gs>
-            <a:gs pos="100000">
-              <a:schemeClr val="lt1">
-                <a:hueOff val="0"/>
-                <a:satOff val="0"/>
-                <a:lumOff val="0"/>
-                <a:alphaOff val="0"/>
-                <a:tint val="50000"/>
-                <a:shade val="100000"/>
-                <a:satMod val="350000"/>
-              </a:schemeClr>
-            </a:gs>
-          </a:gsLst>
-          <a:lin ang="16200000" scaled="0"/>
-        </a:gradFill>
-        <a:ln>
-          <a:noFill/>
-        </a:ln>
-        <a:effectLst>
-          <a:outerShdw blurRad="40000" dist="23000" dir="5400000" rotWithShape="0">
-            <a:srgbClr val="000000">
-              <a:alpha val="35000"/>
-            </a:srgbClr>
-          </a:outerShdw>
-        </a:effectLst>
-      </dsp:spPr>
-      <dsp:style>
-        <a:lnRef idx="0">
-          <a:scrgbClr r="0" g="0" b="0"/>
-        </a:lnRef>
-        <a:fillRef idx="3">
-          <a:scrgbClr r="0" g="0" b="0"/>
-        </a:fillRef>
-        <a:effectRef idx="2">
-          <a:scrgbClr r="0" g="0" b="0"/>
-        </a:effectRef>
-        <a:fontRef idx="minor">
-          <a:schemeClr val="lt1"/>
-        </a:fontRef>
-      </dsp:style>
-      <dsp:txBody>
-        <a:bodyPr spcFirstLastPara="0" vert="horz" wrap="square" lIns="8255" tIns="8255" rIns="8255" bIns="8255" numCol="1" spcCol="1270" anchor="ctr" anchorCtr="0">
-          <a:noAutofit/>
-        </a:bodyPr>
-        <a:lstStyle/>
-        <a:p>
-          <a:pPr lvl="0" algn="ctr" defTabSz="577850">
-            <a:lnSpc>
-              <a:spcPct val="90000"/>
-            </a:lnSpc>
-            <a:spcBef>
-              <a:spcPct val="0"/>
-            </a:spcBef>
-            <a:spcAft>
-              <a:spcPct val="35000"/>
-            </a:spcAft>
-          </a:pPr>
-          <a:r>
-            <a:rPr lang="en-US" altLang="ja-JP" sz="1300" kern="1200"/>
-            <a:t>1.</a:t>
-          </a:r>
-          <a:r>
-            <a:rPr lang="ja-JP" altLang="en-US" sz="1300" kern="1200"/>
-            <a:t>先行論文のみを頼りにゼロから実装を行うと、時間がかかる上、バグが混入する危険性も高い</a:t>
-          </a:r>
-        </a:p>
-      </dsp:txBody>
-      <dsp:txXfrm>
-        <a:off x="416" y="1709488"/>
-        <a:ext cx="1814230" cy="907115"/>
-      </dsp:txXfrm>
-    </dsp:sp>
-    <dsp:sp modelId="{502A42DD-3DFA-A842-B9A7-53D59E805AB2}">
-      <dsp:nvSpPr>
-        <dsp:cNvPr id="0" name=""/>
-        <dsp:cNvSpPr/>
-      </dsp:nvSpPr>
-      <dsp:spPr>
-        <a:xfrm>
-          <a:off x="2195635" y="1709488"/>
-          <a:ext cx="1814230" cy="907115"/>
-        </a:xfrm>
-        <a:prstGeom prst="rect">
-          <a:avLst/>
-        </a:prstGeom>
-        <a:gradFill rotWithShape="0">
-          <a:gsLst>
-            <a:gs pos="0">
-              <a:schemeClr val="lt1">
-                <a:hueOff val="0"/>
-                <a:satOff val="0"/>
-                <a:lumOff val="0"/>
-                <a:alphaOff val="0"/>
-                <a:tint val="100000"/>
-                <a:shade val="100000"/>
-                <a:satMod val="130000"/>
-              </a:schemeClr>
-            </a:gs>
-            <a:gs pos="100000">
-              <a:schemeClr val="lt1">
-                <a:hueOff val="0"/>
-                <a:satOff val="0"/>
-                <a:lumOff val="0"/>
-                <a:alphaOff val="0"/>
-                <a:tint val="50000"/>
-                <a:shade val="100000"/>
-                <a:satMod val="350000"/>
-              </a:schemeClr>
-            </a:gs>
-          </a:gsLst>
-          <a:lin ang="16200000" scaled="0"/>
-        </a:gradFill>
-        <a:ln>
-          <a:noFill/>
-        </a:ln>
-        <a:effectLst>
-          <a:outerShdw blurRad="40000" dist="23000" dir="5400000" rotWithShape="0">
-            <a:srgbClr val="000000">
-              <a:alpha val="35000"/>
-            </a:srgbClr>
-          </a:outerShdw>
-        </a:effectLst>
-      </dsp:spPr>
-      <dsp:style>
-        <a:lnRef idx="0">
-          <a:scrgbClr r="0" g="0" b="0"/>
-        </a:lnRef>
-        <a:fillRef idx="3">
-          <a:scrgbClr r="0" g="0" b="0"/>
-        </a:fillRef>
-        <a:effectRef idx="2">
-          <a:scrgbClr r="0" g="0" b="0"/>
-        </a:effectRef>
-        <a:fontRef idx="minor">
-          <a:schemeClr val="lt1"/>
-        </a:fontRef>
-      </dsp:style>
-      <dsp:txBody>
-        <a:bodyPr spcFirstLastPara="0" vert="horz" wrap="square" lIns="8255" tIns="8255" rIns="8255" bIns="8255" numCol="1" spcCol="1270" anchor="ctr" anchorCtr="0">
-          <a:noAutofit/>
-        </a:bodyPr>
-        <a:lstStyle/>
-        <a:p>
-          <a:pPr lvl="0" algn="ctr" defTabSz="577850">
-            <a:lnSpc>
-              <a:spcPct val="90000"/>
-            </a:lnSpc>
-            <a:spcBef>
-              <a:spcPct val="0"/>
-            </a:spcBef>
-            <a:spcAft>
-              <a:spcPct val="35000"/>
-            </a:spcAft>
-          </a:pPr>
-          <a:r>
-            <a:rPr lang="en-US" altLang="ja-JP" sz="1300" kern="1200"/>
-            <a:t>2.</a:t>
-          </a:r>
-          <a:r>
-            <a:rPr lang="ja-JP" altLang="en-US" sz="1300" kern="1200"/>
-            <a:t>論文では省略された僅かな実装ノウハウの差により、性能が低下してしまう危険性を、排除できる。</a:t>
-          </a:r>
-        </a:p>
-      </dsp:txBody>
-      <dsp:txXfrm>
-        <a:off x="2195635" y="1709488"/>
-        <a:ext cx="1814230" cy="907115"/>
-      </dsp:txXfrm>
-    </dsp:sp>
-    <dsp:sp modelId="{B11C3EEA-FA56-564B-AA90-6C7A0AD91F2F}">
-      <dsp:nvSpPr>
-        <dsp:cNvPr id="0" name=""/>
-        <dsp:cNvSpPr/>
-      </dsp:nvSpPr>
-      <dsp:spPr>
-        <a:xfrm>
-          <a:off x="4390854" y="1709488"/>
-          <a:ext cx="1814230" cy="907115"/>
-        </a:xfrm>
-        <a:prstGeom prst="rect">
-          <a:avLst/>
-        </a:prstGeom>
-        <a:gradFill rotWithShape="0">
-          <a:gsLst>
-            <a:gs pos="0">
-              <a:schemeClr val="lt1">
-                <a:hueOff val="0"/>
-                <a:satOff val="0"/>
-                <a:lumOff val="0"/>
-                <a:alphaOff val="0"/>
-                <a:tint val="100000"/>
-                <a:shade val="100000"/>
-                <a:satMod val="130000"/>
-              </a:schemeClr>
-            </a:gs>
-            <a:gs pos="100000">
-              <a:schemeClr val="lt1">
-                <a:hueOff val="0"/>
-                <a:satOff val="0"/>
-                <a:lumOff val="0"/>
-                <a:alphaOff val="0"/>
-                <a:tint val="50000"/>
-                <a:shade val="100000"/>
-                <a:satMod val="350000"/>
-              </a:schemeClr>
-            </a:gs>
-          </a:gsLst>
-          <a:lin ang="16200000" scaled="0"/>
-        </a:gradFill>
-        <a:ln>
-          <a:noFill/>
-        </a:ln>
-        <a:effectLst>
-          <a:outerShdw blurRad="40000" dist="23000" dir="5400000" rotWithShape="0">
-            <a:srgbClr val="000000">
-              <a:alpha val="35000"/>
-            </a:srgbClr>
-          </a:outerShdw>
-        </a:effectLst>
-      </dsp:spPr>
-      <dsp:style>
-        <a:lnRef idx="0">
-          <a:scrgbClr r="0" g="0" b="0"/>
-        </a:lnRef>
-        <a:fillRef idx="3">
-          <a:scrgbClr r="0" g="0" b="0"/>
-        </a:fillRef>
-        <a:effectRef idx="2">
-          <a:scrgbClr r="0" g="0" b="0"/>
-        </a:effectRef>
-        <a:fontRef idx="minor">
-          <a:schemeClr val="lt1"/>
-        </a:fontRef>
-      </dsp:style>
-      <dsp:txBody>
-        <a:bodyPr spcFirstLastPara="0" vert="horz" wrap="square" lIns="8255" tIns="8255" rIns="8255" bIns="8255" numCol="1" spcCol="1270" anchor="ctr" anchorCtr="0">
-          <a:noAutofit/>
-        </a:bodyPr>
-        <a:lstStyle/>
-        <a:p>
-          <a:pPr lvl="0" algn="ctr" defTabSz="577850">
-            <a:lnSpc>
-              <a:spcPct val="90000"/>
-            </a:lnSpc>
-            <a:spcBef>
-              <a:spcPct val="0"/>
-            </a:spcBef>
-            <a:spcAft>
-              <a:spcPct val="35000"/>
-            </a:spcAft>
-          </a:pPr>
-          <a:r>
-            <a:rPr lang="en-US" altLang="ja-JP" sz="1300" kern="1200"/>
-            <a:t>3.</a:t>
-          </a:r>
-          <a:r>
-            <a:rPr lang="ja-JP" altLang="en-US" sz="1300" kern="1200"/>
-            <a:t>メジャーな実装をベースにすれば、改造部分も利用してもらいやすくなる。</a:t>
-          </a:r>
-        </a:p>
-      </dsp:txBody>
-      <dsp:txXfrm>
-        <a:off x="4390854" y="1709488"/>
-        <a:ext cx="1814230" cy="907115"/>
-      </dsp:txXfrm>
-    </dsp:sp>
   </dsp:spTree>
 </dsp:drawing>
 </file>
@@ -7744,7 +7150,7 @@
           <a:lstStyle/>
           <a:p>
             <a:fld id="{46105698-9291-E648-9AF2-8C2E2D6E320A}" type="datetimeFigureOut">
-              <a:t>2014/01/27</a:t>
+              <a:t>2014/02/06</a:t>
             </a:fld>
             <a:endParaRPr kumimoji="1" lang="ja-JP" altLang="en-US"/>
           </a:p>
@@ -7942,7 +7348,7 @@
           <a:lstStyle/>
           <a:p>
             <a:fld id="{46105698-9291-E648-9AF2-8C2E2D6E320A}" type="datetimeFigureOut">
-              <a:t>2014/01/27</a:t>
+              <a:t>2014/02/06</a:t>
             </a:fld>
             <a:endParaRPr kumimoji="1" lang="ja-JP" altLang="en-US"/>
           </a:p>
@@ -8150,7 +7556,7 @@
           <a:lstStyle/>
           <a:p>
             <a:fld id="{46105698-9291-E648-9AF2-8C2E2D6E320A}" type="datetimeFigureOut">
-              <a:t>2014/01/27</a:t>
+              <a:t>2014/02/06</a:t>
             </a:fld>
             <a:endParaRPr kumimoji="1" lang="ja-JP" altLang="en-US"/>
           </a:p>
@@ -8348,7 +7754,7 @@
           <a:lstStyle/>
           <a:p>
             <a:fld id="{46105698-9291-E648-9AF2-8C2E2D6E320A}" type="datetimeFigureOut">
-              <a:t>2014/01/27</a:t>
+              <a:t>2014/02/06</a:t>
             </a:fld>
             <a:endParaRPr kumimoji="1" lang="ja-JP" altLang="en-US"/>
           </a:p>
@@ -8591,7 +7997,7 @@
           <a:lstStyle/>
           <a:p>
             <a:fld id="{46105698-9291-E648-9AF2-8C2E2D6E320A}" type="datetimeFigureOut">
-              <a:t>2014/01/27</a:t>
+              <a:t>2014/02/06</a:t>
             </a:fld>
             <a:endParaRPr kumimoji="1" lang="ja-JP" altLang="en-US"/>
           </a:p>
@@ -8938,7 +8344,7 @@
           <a:lstStyle/>
           <a:p>
             <a:fld id="{46105698-9291-E648-9AF2-8C2E2D6E320A}" type="datetimeFigureOut">
-              <a:t>2014/01/27</a:t>
+              <a:t>2014/02/06</a:t>
             </a:fld>
             <a:endParaRPr kumimoji="1" lang="ja-JP" altLang="en-US"/>
           </a:p>
@@ -9419,7 +8825,7 @@
           <a:lstStyle/>
           <a:p>
             <a:fld id="{46105698-9291-E648-9AF2-8C2E2D6E320A}" type="datetimeFigureOut">
-              <a:t>2014/01/27</a:t>
+              <a:t>2014/02/06</a:t>
             </a:fld>
             <a:endParaRPr kumimoji="1" lang="ja-JP" altLang="en-US"/>
           </a:p>
@@ -9534,7 +8940,7 @@
           <a:lstStyle/>
           <a:p>
             <a:fld id="{46105698-9291-E648-9AF2-8C2E2D6E320A}" type="datetimeFigureOut">
-              <a:t>2014/01/27</a:t>
+              <a:t>2014/02/06</a:t>
             </a:fld>
             <a:endParaRPr kumimoji="1" lang="ja-JP" altLang="en-US"/>
           </a:p>
@@ -9627,7 +9033,7 @@
           <a:lstStyle/>
           <a:p>
             <a:fld id="{46105698-9291-E648-9AF2-8C2E2D6E320A}" type="datetimeFigureOut">
-              <a:t>2014/01/27</a:t>
+              <a:t>2014/02/06</a:t>
             </a:fld>
             <a:endParaRPr kumimoji="1" lang="ja-JP" altLang="en-US"/>
           </a:p>
@@ -9932,7 +9338,7 @@
           <a:lstStyle/>
           <a:p>
             <a:fld id="{46105698-9291-E648-9AF2-8C2E2D6E320A}" type="datetimeFigureOut">
-              <a:t>2014/01/27</a:t>
+              <a:t>2014/02/06</a:t>
             </a:fld>
             <a:endParaRPr kumimoji="1" lang="ja-JP" altLang="en-US"/>
           </a:p>
@@ -10182,7 +9588,7 @@
           <a:lstStyle/>
           <a:p>
             <a:fld id="{46105698-9291-E648-9AF2-8C2E2D6E320A}" type="datetimeFigureOut">
-              <a:t>2014/01/27</a:t>
+              <a:t>2014/02/06</a:t>
             </a:fld>
             <a:endParaRPr kumimoji="1" lang="ja-JP" altLang="en-US"/>
           </a:p>
@@ -10423,7 +9829,7 @@
           </a:lstStyle>
           <a:p>
             <a:fld id="{46105698-9291-E648-9AF2-8C2E2D6E320A}" type="datetimeFigureOut">
-              <a:t>2014/01/27</a:t>
+              <a:t>2014/02/06</a:t>
             </a:fld>
             <a:endParaRPr kumimoji="1" lang="ja-JP" altLang="en-US"/>
           </a:p>
@@ -11701,7 +11107,6 @@
               <a:rPr kumimoji="1" lang="ja-JP" altLang="en-US" sz="1200"/>
               <a:t>教師ラベル</a:t>
             </a:r>
-            <a:endParaRPr kumimoji="1" lang="ja-JP" altLang="en-US" sz="1200"/>
           </a:p>
         </p:txBody>
       </p:sp>
@@ -11740,7 +11145,6 @@
               <a:rPr kumimoji="1" lang="ja-JP" altLang="en-US" sz="1200"/>
               <a:t>言葉</a:t>
             </a:r>
-            <a:endParaRPr kumimoji="1" lang="ja-JP" altLang="en-US" sz="1200"/>
           </a:p>
         </p:txBody>
       </p:sp>
@@ -12497,7 +11901,6 @@
               <a:rPr kumimoji="1" lang="ja-JP" altLang="en-US" sz="1200"/>
               <a:t>画像とラベルの近似度算出</a:t>
             </a:r>
-            <a:endParaRPr kumimoji="1" lang="ja-JP" altLang="en-US" sz="1200"/>
           </a:p>
         </p:txBody>
       </p:sp>
@@ -12583,6 +11986,315 @@
     <p:extLst>
       <p:ext uri="{BB962C8B-B14F-4D97-AF65-F5344CB8AC3E}">
         <p14:creationId xmlns:p14="http://schemas.microsoft.com/office/powerpoint/2010/main" val="2130497054"/>
+      </p:ext>
+    </p:extLst>
+  </p:cSld>
+  <p:clrMapOvr>
+    <a:masterClrMapping/>
+  </p:clrMapOvr>
+</p:sld>
+</file>
+
+<file path=ppt/slides/slide15.xml><?xml version="1.0" encoding="utf-8"?>
+<p:sld xmlns:a="http://schemas.openxmlformats.org/drawingml/2006/main" xmlns:r="http://schemas.openxmlformats.org/officeDocument/2006/relationships" xmlns:p="http://schemas.openxmlformats.org/presentationml/2006/main">
+  <p:cSld>
+    <p:spTree>
+      <p:nvGrpSpPr>
+        <p:cNvPr id="1" name=""/>
+        <p:cNvGrpSpPr/>
+        <p:nvPr/>
+      </p:nvGrpSpPr>
+      <p:grpSpPr>
+        <a:xfrm>
+          <a:off x="0" y="0"/>
+          <a:ext cx="0" cy="0"/>
+          <a:chOff x="0" y="0"/>
+          <a:chExt cx="0" cy="0"/>
+        </a:xfrm>
+      </p:grpSpPr>
+      <p:pic>
+        <p:nvPicPr>
+          <p:cNvPr id="4" name="図 3" descr="ml.png"/>
+          <p:cNvPicPr>
+            <a:picLocks noChangeAspect="1"/>
+          </p:cNvPicPr>
+          <p:nvPr/>
+        </p:nvPicPr>
+        <p:blipFill>
+          <a:blip r:embed="rId2">
+            <a:extLst>
+              <a:ext uri="{28A0092B-C50C-407E-A947-70E740481C1C}">
+                <a14:useLocalDpi xmlns:a14="http://schemas.microsoft.com/office/drawing/2010/main" val="0"/>
+              </a:ext>
+            </a:extLst>
+          </a:blip>
+          <a:stretch>
+            <a:fillRect/>
+          </a:stretch>
+        </p:blipFill>
+        <p:spPr>
+          <a:xfrm>
+            <a:off x="2051720" y="1275606"/>
+            <a:ext cx="5029666" cy="2555614"/>
+          </a:xfrm>
+          <a:prstGeom prst="rect">
+            <a:avLst/>
+          </a:prstGeom>
+        </p:spPr>
+      </p:pic>
+      <p:sp>
+        <p:nvSpPr>
+          <p:cNvPr id="7" name="角丸四角形 6"/>
+          <p:cNvSpPr/>
+          <p:nvPr/>
+        </p:nvSpPr>
+        <p:spPr>
+          <a:xfrm>
+            <a:off x="3851920" y="1275606"/>
+            <a:ext cx="3384376" cy="2555614"/>
+          </a:xfrm>
+          <a:prstGeom prst="roundRect">
+            <a:avLst/>
+          </a:prstGeom>
+          <a:noFill/>
+          <a:ln>
+            <a:solidFill>
+              <a:srgbClr val="008000"/>
+            </a:solidFill>
+            <a:prstDash val="solid"/>
+          </a:ln>
+        </p:spPr>
+        <p:style>
+          <a:lnRef idx="1">
+            <a:schemeClr val="accent1"/>
+          </a:lnRef>
+          <a:fillRef idx="3">
+            <a:schemeClr val="accent1"/>
+          </a:fillRef>
+          <a:effectRef idx="2">
+            <a:schemeClr val="accent1"/>
+          </a:effectRef>
+          <a:fontRef idx="minor">
+            <a:schemeClr val="lt1"/>
+          </a:fontRef>
+        </p:style>
+        <p:txBody>
+          <a:bodyPr rtlCol="0" anchor="ctr"/>
+          <a:lstStyle/>
+          <a:p>
+            <a:pPr algn="ctr"/>
+            <a:endParaRPr kumimoji="1" lang="ja-JP" altLang="en-US"/>
+          </a:p>
+        </p:txBody>
+      </p:sp>
+      <p:sp>
+        <p:nvSpPr>
+          <p:cNvPr id="8" name="テキスト ボックス 7"/>
+          <p:cNvSpPr txBox="1"/>
+          <p:nvPr/>
+        </p:nvSpPr>
+        <p:spPr>
+          <a:xfrm>
+            <a:off x="5796136" y="796544"/>
+            <a:ext cx="1800493" cy="369332"/>
+          </a:xfrm>
+          <a:prstGeom prst="rect">
+            <a:avLst/>
+          </a:prstGeom>
+          <a:noFill/>
+        </p:spPr>
+        <p:txBody>
+          <a:bodyPr wrap="none" rtlCol="0">
+            <a:spAutoFit/>
+          </a:bodyPr>
+          <a:lstStyle/>
+          <a:p>
+            <a:r>
+              <a:rPr kumimoji="1" lang="ja-JP" altLang="en-US">
+                <a:solidFill>
+                  <a:srgbClr val="008000"/>
+                </a:solidFill>
+              </a:rPr>
+              <a:t>従来の機械学習</a:t>
+            </a:r>
+            <a:endParaRPr kumimoji="1" lang="ja-JP" altLang="en-US">
+              <a:solidFill>
+                <a:srgbClr val="008000"/>
+              </a:solidFill>
+            </a:endParaRPr>
+          </a:p>
+        </p:txBody>
+      </p:sp>
+      <p:sp>
+        <p:nvSpPr>
+          <p:cNvPr id="13" name="角丸四角形 12"/>
+          <p:cNvSpPr/>
+          <p:nvPr/>
+        </p:nvSpPr>
+        <p:spPr>
+          <a:xfrm>
+            <a:off x="2051720" y="1131590"/>
+            <a:ext cx="5328592" cy="2880320"/>
+          </a:xfrm>
+          <a:prstGeom prst="roundRect">
+            <a:avLst/>
+          </a:prstGeom>
+          <a:noFill/>
+          <a:ln>
+            <a:solidFill>
+              <a:srgbClr val="FF0000"/>
+            </a:solidFill>
+            <a:prstDash val="solid"/>
+          </a:ln>
+        </p:spPr>
+        <p:style>
+          <a:lnRef idx="1">
+            <a:schemeClr val="accent1"/>
+          </a:lnRef>
+          <a:fillRef idx="3">
+            <a:schemeClr val="accent1"/>
+          </a:fillRef>
+          <a:effectRef idx="2">
+            <a:schemeClr val="accent1"/>
+          </a:effectRef>
+          <a:fontRef idx="minor">
+            <a:schemeClr val="lt1"/>
+          </a:fontRef>
+        </p:style>
+        <p:txBody>
+          <a:bodyPr rtlCol="0" anchor="ctr"/>
+          <a:lstStyle/>
+          <a:p>
+            <a:pPr algn="ctr"/>
+            <a:endParaRPr kumimoji="1" lang="ja-JP" altLang="en-US"/>
+          </a:p>
+        </p:txBody>
+      </p:sp>
+      <p:sp>
+        <p:nvSpPr>
+          <p:cNvPr id="14" name="テキスト ボックス 13"/>
+          <p:cNvSpPr txBox="1"/>
+          <p:nvPr/>
+        </p:nvSpPr>
+        <p:spPr>
+          <a:xfrm>
+            <a:off x="2051720" y="762258"/>
+            <a:ext cx="1107996" cy="369332"/>
+          </a:xfrm>
+          <a:prstGeom prst="rect">
+            <a:avLst/>
+          </a:prstGeom>
+          <a:noFill/>
+        </p:spPr>
+        <p:txBody>
+          <a:bodyPr wrap="none" rtlCol="0">
+            <a:spAutoFit/>
+          </a:bodyPr>
+          <a:lstStyle/>
+          <a:p>
+            <a:r>
+              <a:rPr kumimoji="1" lang="ja-JP" altLang="en-US">
+                <a:solidFill>
+                  <a:srgbClr val="FF0000"/>
+                </a:solidFill>
+              </a:rPr>
+              <a:t>深層学習</a:t>
+            </a:r>
+            <a:endParaRPr kumimoji="1" lang="ja-JP" altLang="en-US">
+              <a:solidFill>
+                <a:srgbClr val="FF0000"/>
+              </a:solidFill>
+            </a:endParaRPr>
+          </a:p>
+        </p:txBody>
+      </p:sp>
+      <p:sp>
+        <p:nvSpPr>
+          <p:cNvPr id="15" name="円/楕円 14"/>
+          <p:cNvSpPr/>
+          <p:nvPr/>
+        </p:nvSpPr>
+        <p:spPr>
+          <a:xfrm>
+            <a:off x="3347864" y="1851670"/>
+            <a:ext cx="432048" cy="1440160"/>
+          </a:xfrm>
+          <a:prstGeom prst="ellipse">
+            <a:avLst/>
+          </a:prstGeom>
+          <a:noFill/>
+          <a:ln>
+            <a:solidFill>
+              <a:srgbClr val="FF0000"/>
+            </a:solidFill>
+            <a:prstDash val="dashDot"/>
+          </a:ln>
+        </p:spPr>
+        <p:style>
+          <a:lnRef idx="1">
+            <a:schemeClr val="accent1"/>
+          </a:lnRef>
+          <a:fillRef idx="3">
+            <a:schemeClr val="accent1"/>
+          </a:fillRef>
+          <a:effectRef idx="2">
+            <a:schemeClr val="accent1"/>
+          </a:effectRef>
+          <a:fontRef idx="minor">
+            <a:schemeClr val="lt1"/>
+          </a:fontRef>
+        </p:style>
+        <p:txBody>
+          <a:bodyPr rtlCol="0" anchor="ctr"/>
+          <a:lstStyle/>
+          <a:p>
+            <a:pPr algn="ctr"/>
+            <a:endParaRPr kumimoji="1" lang="ja-JP" altLang="en-US"/>
+          </a:p>
+        </p:txBody>
+      </p:sp>
+      <p:sp>
+        <p:nvSpPr>
+          <p:cNvPr id="16" name="テキスト ボックス 15"/>
+          <p:cNvSpPr txBox="1"/>
+          <p:nvPr/>
+        </p:nvSpPr>
+        <p:spPr>
+          <a:xfrm>
+            <a:off x="2411760" y="3344093"/>
+            <a:ext cx="1585891" cy="307777"/>
+          </a:xfrm>
+          <a:prstGeom prst="rect">
+            <a:avLst/>
+          </a:prstGeom>
+          <a:noFill/>
+        </p:spPr>
+        <p:txBody>
+          <a:bodyPr wrap="none" rtlCol="0">
+            <a:spAutoFit/>
+          </a:bodyPr>
+          <a:lstStyle/>
+          <a:p>
+            <a:r>
+              <a:rPr kumimoji="1" lang="ja-JP" altLang="en-US" sz="1400">
+                <a:solidFill>
+                  <a:srgbClr val="FF0000"/>
+                </a:solidFill>
+              </a:rPr>
+              <a:t>素性変換法も学習</a:t>
+            </a:r>
+            <a:endParaRPr kumimoji="1" lang="ja-JP" altLang="en-US" sz="1400">
+              <a:solidFill>
+                <a:srgbClr val="FF0000"/>
+              </a:solidFill>
+            </a:endParaRPr>
+          </a:p>
+        </p:txBody>
+      </p:sp>
+    </p:spTree>
+    <p:extLst>
+      <p:ext uri="{BB962C8B-B14F-4D97-AF65-F5344CB8AC3E}">
+        <p14:creationId xmlns:p14="http://schemas.microsoft.com/office/powerpoint/2010/main" val="508874462"/>
       </p:ext>
     </p:extLst>
   </p:cSld>
